--- a/projectplan.pptx
+++ b/projectplan.pptx
@@ -4,6 +4,15 @@
   <p:sldMasterIdLst>
     <p:sldMasterId id="2147483648" r:id="rId1"/>
   </p:sldMasterIdLst>
+  <p:sldIdLst>
+    <p:sldId id="256" r:id="rId2"/>
+    <p:sldId id="257" r:id="rId3"/>
+    <p:sldId id="260" r:id="rId4"/>
+    <p:sldId id="259" r:id="rId5"/>
+    <p:sldId id="261" r:id="rId6"/>
+    <p:sldId id="262" r:id="rId7"/>
+    <p:sldId id="258" r:id="rId8"/>
+  </p:sldIdLst>
   <p:sldSz cx="9144000" cy="6858000" type="screen4x3"/>
   <p:notesSz cx="6858000" cy="9144000"/>
   <p:defaultTextStyle>
@@ -285,7 +294,8 @@
           <a:p>
             <a:fld id="{530820CF-B880-4189-942D-D702A7CBA730}" type="datetimeFigureOut">
               <a:rPr lang="zh-CN" altLang="en-US" smtClean="0"/>
-              <a:t>2006-9-7</a:t>
+              <a:pPr/>
+              <a:t>2014/4/19</a:t>
             </a:fld>
             <a:endParaRPr lang="zh-CN" altLang="en-US"/>
           </a:p>
@@ -327,6 +337,7 @@
           <a:p>
             <a:fld id="{0C913308-F349-4B6D-A68A-DD1791B4A57B}" type="slidenum">
               <a:rPr lang="zh-CN" altLang="en-US" smtClean="0"/>
+              <a:pPr/>
               <a:t>‹#›</a:t>
             </a:fld>
             <a:endParaRPr lang="zh-CN" altLang="en-US"/>
@@ -450,7 +461,8 @@
           <a:p>
             <a:fld id="{530820CF-B880-4189-942D-D702A7CBA730}" type="datetimeFigureOut">
               <a:rPr lang="zh-CN" altLang="en-US" smtClean="0"/>
-              <a:t>2006-9-7</a:t>
+              <a:pPr/>
+              <a:t>2014/4/19</a:t>
             </a:fld>
             <a:endParaRPr lang="zh-CN" altLang="en-US"/>
           </a:p>
@@ -492,6 +504,7 @@
           <a:p>
             <a:fld id="{0C913308-F349-4B6D-A68A-DD1791B4A57B}" type="slidenum">
               <a:rPr lang="zh-CN" altLang="en-US" smtClean="0"/>
+              <a:pPr/>
               <a:t>‹#›</a:t>
             </a:fld>
             <a:endParaRPr lang="zh-CN" altLang="en-US"/>
@@ -625,7 +638,8 @@
           <a:p>
             <a:fld id="{530820CF-B880-4189-942D-D702A7CBA730}" type="datetimeFigureOut">
               <a:rPr lang="zh-CN" altLang="en-US" smtClean="0"/>
-              <a:t>2006-9-7</a:t>
+              <a:pPr/>
+              <a:t>2014/4/19</a:t>
             </a:fld>
             <a:endParaRPr lang="zh-CN" altLang="en-US"/>
           </a:p>
@@ -667,6 +681,7 @@
           <a:p>
             <a:fld id="{0C913308-F349-4B6D-A68A-DD1791B4A57B}" type="slidenum">
               <a:rPr lang="zh-CN" altLang="en-US" smtClean="0"/>
+              <a:pPr/>
               <a:t>‹#›</a:t>
             </a:fld>
             <a:endParaRPr lang="zh-CN" altLang="en-US"/>
@@ -790,7 +805,8 @@
           <a:p>
             <a:fld id="{530820CF-B880-4189-942D-D702A7CBA730}" type="datetimeFigureOut">
               <a:rPr lang="zh-CN" altLang="en-US" smtClean="0"/>
-              <a:t>2006-9-7</a:t>
+              <a:pPr/>
+              <a:t>2014/4/19</a:t>
             </a:fld>
             <a:endParaRPr lang="zh-CN" altLang="en-US"/>
           </a:p>
@@ -832,6 +848,7 @@
           <a:p>
             <a:fld id="{0C913308-F349-4B6D-A68A-DD1791B4A57B}" type="slidenum">
               <a:rPr lang="zh-CN" altLang="en-US" smtClean="0"/>
+              <a:pPr/>
               <a:t>‹#›</a:t>
             </a:fld>
             <a:endParaRPr lang="zh-CN" altLang="en-US"/>
@@ -1031,7 +1048,8 @@
           <a:p>
             <a:fld id="{530820CF-B880-4189-942D-D702A7CBA730}" type="datetimeFigureOut">
               <a:rPr lang="zh-CN" altLang="en-US" smtClean="0"/>
-              <a:t>2006-9-7</a:t>
+              <a:pPr/>
+              <a:t>2014/4/19</a:t>
             </a:fld>
             <a:endParaRPr lang="zh-CN" altLang="en-US"/>
           </a:p>
@@ -1073,6 +1091,7 @@
           <a:p>
             <a:fld id="{0C913308-F349-4B6D-A68A-DD1791B4A57B}" type="slidenum">
               <a:rPr lang="zh-CN" altLang="en-US" smtClean="0"/>
+              <a:pPr/>
               <a:t>‹#›</a:t>
             </a:fld>
             <a:endParaRPr lang="zh-CN" altLang="en-US"/>
@@ -1314,7 +1333,8 @@
           <a:p>
             <a:fld id="{530820CF-B880-4189-942D-D702A7CBA730}" type="datetimeFigureOut">
               <a:rPr lang="zh-CN" altLang="en-US" smtClean="0"/>
-              <a:t>2006-9-7</a:t>
+              <a:pPr/>
+              <a:t>2014/4/19</a:t>
             </a:fld>
             <a:endParaRPr lang="zh-CN" altLang="en-US"/>
           </a:p>
@@ -1356,6 +1376,7 @@
           <a:p>
             <a:fld id="{0C913308-F349-4B6D-A68A-DD1791B4A57B}" type="slidenum">
               <a:rPr lang="zh-CN" altLang="en-US" smtClean="0"/>
+              <a:pPr/>
               <a:t>‹#›</a:t>
             </a:fld>
             <a:endParaRPr lang="zh-CN" altLang="en-US"/>
@@ -1731,7 +1752,8 @@
           <a:p>
             <a:fld id="{530820CF-B880-4189-942D-D702A7CBA730}" type="datetimeFigureOut">
               <a:rPr lang="zh-CN" altLang="en-US" smtClean="0"/>
-              <a:t>2006-9-7</a:t>
+              <a:pPr/>
+              <a:t>2014/4/19</a:t>
             </a:fld>
             <a:endParaRPr lang="zh-CN" altLang="en-US"/>
           </a:p>
@@ -1773,6 +1795,7 @@
           <a:p>
             <a:fld id="{0C913308-F349-4B6D-A68A-DD1791B4A57B}" type="slidenum">
               <a:rPr lang="zh-CN" altLang="en-US" smtClean="0"/>
+              <a:pPr/>
               <a:t>‹#›</a:t>
             </a:fld>
             <a:endParaRPr lang="zh-CN" altLang="en-US"/>
@@ -1844,7 +1867,8 @@
           <a:p>
             <a:fld id="{530820CF-B880-4189-942D-D702A7CBA730}" type="datetimeFigureOut">
               <a:rPr lang="zh-CN" altLang="en-US" smtClean="0"/>
-              <a:t>2006-9-7</a:t>
+              <a:pPr/>
+              <a:t>2014/4/19</a:t>
             </a:fld>
             <a:endParaRPr lang="zh-CN" altLang="en-US"/>
           </a:p>
@@ -1886,6 +1910,7 @@
           <a:p>
             <a:fld id="{0C913308-F349-4B6D-A68A-DD1791B4A57B}" type="slidenum">
               <a:rPr lang="zh-CN" altLang="en-US" smtClean="0"/>
+              <a:pPr/>
               <a:t>‹#›</a:t>
             </a:fld>
             <a:endParaRPr lang="zh-CN" altLang="en-US"/>
@@ -1934,7 +1959,8 @@
           <a:p>
             <a:fld id="{530820CF-B880-4189-942D-D702A7CBA730}" type="datetimeFigureOut">
               <a:rPr lang="zh-CN" altLang="en-US" smtClean="0"/>
-              <a:t>2006-9-7</a:t>
+              <a:pPr/>
+              <a:t>2014/4/19</a:t>
             </a:fld>
             <a:endParaRPr lang="zh-CN" altLang="en-US"/>
           </a:p>
@@ -1976,6 +2002,7 @@
           <a:p>
             <a:fld id="{0C913308-F349-4B6D-A68A-DD1791B4A57B}" type="slidenum">
               <a:rPr lang="zh-CN" altLang="en-US" smtClean="0"/>
+              <a:pPr/>
               <a:t>‹#›</a:t>
             </a:fld>
             <a:endParaRPr lang="zh-CN" altLang="en-US"/>
@@ -2206,7 +2233,8 @@
           <a:p>
             <a:fld id="{530820CF-B880-4189-942D-D702A7CBA730}" type="datetimeFigureOut">
               <a:rPr lang="zh-CN" altLang="en-US" smtClean="0"/>
-              <a:t>2006-9-7</a:t>
+              <a:pPr/>
+              <a:t>2014/4/19</a:t>
             </a:fld>
             <a:endParaRPr lang="zh-CN" altLang="en-US"/>
           </a:p>
@@ -2248,6 +2276,7 @@
           <a:p>
             <a:fld id="{0C913308-F349-4B6D-A68A-DD1791B4A57B}" type="slidenum">
               <a:rPr lang="zh-CN" altLang="en-US" smtClean="0"/>
+              <a:pPr/>
               <a:t>‹#›</a:t>
             </a:fld>
             <a:endParaRPr lang="zh-CN" altLang="en-US"/>
@@ -2454,7 +2483,8 @@
           <a:p>
             <a:fld id="{530820CF-B880-4189-942D-D702A7CBA730}" type="datetimeFigureOut">
               <a:rPr lang="zh-CN" altLang="en-US" smtClean="0"/>
-              <a:t>2006-9-7</a:t>
+              <a:pPr/>
+              <a:t>2014/4/19</a:t>
             </a:fld>
             <a:endParaRPr lang="zh-CN" altLang="en-US"/>
           </a:p>
@@ -2496,6 +2526,7 @@
           <a:p>
             <a:fld id="{0C913308-F349-4B6D-A68A-DD1791B4A57B}" type="slidenum">
               <a:rPr lang="zh-CN" altLang="en-US" smtClean="0"/>
+              <a:pPr/>
               <a:t>‹#›</a:t>
             </a:fld>
             <a:endParaRPr lang="zh-CN" altLang="en-US"/>
@@ -2662,7 +2693,8 @@
           <a:p>
             <a:fld id="{530820CF-B880-4189-942D-D702A7CBA730}" type="datetimeFigureOut">
               <a:rPr lang="zh-CN" altLang="en-US" smtClean="0"/>
-              <a:t>2006-9-7</a:t>
+              <a:pPr/>
+              <a:t>2014/4/19</a:t>
             </a:fld>
             <a:endParaRPr lang="zh-CN" altLang="en-US"/>
           </a:p>
@@ -2740,6 +2772,7 @@
           <a:p>
             <a:fld id="{0C913308-F349-4B6D-A68A-DD1791B4A57B}" type="slidenum">
               <a:rPr lang="zh-CN" altLang="en-US" smtClean="0"/>
+              <a:pPr/>
               <a:t>‹#›</a:t>
             </a:fld>
             <a:endParaRPr lang="zh-CN" altLang="en-US"/>
@@ -3013,6 +3046,479 @@
     </p:otherStyle>
   </p:txStyles>
 </p:sldMaster>
+</file>
+
+<file path=ppt/slides/slide1.xml><?xml version="1.0" encoding="utf-8"?>
+<p:sld xmlns:a="http://schemas.openxmlformats.org/drawingml/2006/main" xmlns:r="http://schemas.openxmlformats.org/officeDocument/2006/relationships" xmlns:p="http://schemas.openxmlformats.org/presentationml/2006/main">
+  <p:cSld>
+    <p:spTree>
+      <p:nvGrpSpPr>
+        <p:cNvPr id="1" name=""/>
+        <p:cNvGrpSpPr/>
+        <p:nvPr/>
+      </p:nvGrpSpPr>
+      <p:grpSpPr>
+        <a:xfrm>
+          <a:off x="0" y="0"/>
+          <a:ext cx="0" cy="0"/>
+          <a:chOff x="0" y="0"/>
+          <a:chExt cx="0" cy="0"/>
+        </a:xfrm>
+      </p:grpSpPr>
+      <p:sp>
+        <p:nvSpPr>
+          <p:cNvPr id="2" name="Title 1"/>
+          <p:cNvSpPr>
+            <a:spLocks noGrp="1"/>
+          </p:cNvSpPr>
+          <p:nvPr>
+            <p:ph type="ctrTitle"/>
+          </p:nvPr>
+        </p:nvSpPr>
+        <p:spPr/>
+        <p:txBody>
+          <a:bodyPr/>
+          <a:lstStyle/>
+          <a:p>
+            <a:r>
+              <a:rPr lang="en-US" dirty="0" smtClean="0"/>
+              <a:t>Running project plan</a:t>
+            </a:r>
+            <a:endParaRPr lang="en-SG" dirty="0"/>
+          </a:p>
+        </p:txBody>
+      </p:sp>
+      <p:sp>
+        <p:nvSpPr>
+          <p:cNvPr id="3" name="Subtitle 2"/>
+          <p:cNvSpPr>
+            <a:spLocks noGrp="1"/>
+          </p:cNvSpPr>
+          <p:nvPr>
+            <p:ph type="subTitle" idx="1"/>
+          </p:nvPr>
+        </p:nvSpPr>
+        <p:spPr/>
+        <p:txBody>
+          <a:bodyPr/>
+          <a:lstStyle/>
+          <a:p>
+            <a:r>
+              <a:rPr lang="en-US" dirty="0" smtClean="0"/>
+              <a:t>Plan for the running project</a:t>
+            </a:r>
+            <a:endParaRPr lang="en-SG" dirty="0"/>
+          </a:p>
+        </p:txBody>
+      </p:sp>
+    </p:spTree>
+  </p:cSld>
+  <p:clrMapOvr>
+    <a:masterClrMapping/>
+  </p:clrMapOvr>
+</p:sld>
+</file>
+
+<file path=ppt/slides/slide2.xml><?xml version="1.0" encoding="utf-8"?>
+<p:sld xmlns:a="http://schemas.openxmlformats.org/drawingml/2006/main" xmlns:r="http://schemas.openxmlformats.org/officeDocument/2006/relationships" xmlns:p="http://schemas.openxmlformats.org/presentationml/2006/main">
+  <p:cSld>
+    <p:spTree>
+      <p:nvGrpSpPr>
+        <p:cNvPr id="1" name=""/>
+        <p:cNvGrpSpPr/>
+        <p:nvPr/>
+      </p:nvGrpSpPr>
+      <p:grpSpPr>
+        <a:xfrm>
+          <a:off x="0" y="0"/>
+          <a:ext cx="0" cy="0"/>
+          <a:chOff x="0" y="0"/>
+          <a:chExt cx="0" cy="0"/>
+        </a:xfrm>
+      </p:grpSpPr>
+      <p:sp>
+        <p:nvSpPr>
+          <p:cNvPr id="2" name="Title 1"/>
+          <p:cNvSpPr>
+            <a:spLocks noGrp="1"/>
+          </p:cNvSpPr>
+          <p:nvPr>
+            <p:ph type="title"/>
+          </p:nvPr>
+        </p:nvSpPr>
+        <p:spPr/>
+        <p:txBody>
+          <a:bodyPr/>
+          <a:lstStyle/>
+          <a:p>
+            <a:r>
+              <a:rPr lang="en-US" dirty="0" smtClean="0"/>
+              <a:t>Project objective</a:t>
+            </a:r>
+            <a:endParaRPr lang="en-SG" dirty="0"/>
+          </a:p>
+        </p:txBody>
+      </p:sp>
+      <p:sp>
+        <p:nvSpPr>
+          <p:cNvPr id="3" name="Content Placeholder 2"/>
+          <p:cNvSpPr>
+            <a:spLocks noGrp="1"/>
+          </p:cNvSpPr>
+          <p:nvPr>
+            <p:ph idx="1"/>
+          </p:nvPr>
+        </p:nvSpPr>
+        <p:spPr/>
+        <p:txBody>
+          <a:bodyPr/>
+          <a:lstStyle/>
+          <a:p>
+            <a:endParaRPr lang="en-SG"/>
+          </a:p>
+        </p:txBody>
+      </p:sp>
+    </p:spTree>
+  </p:cSld>
+  <p:clrMapOvr>
+    <a:masterClrMapping/>
+  </p:clrMapOvr>
+</p:sld>
+</file>
+
+<file path=ppt/slides/slide3.xml><?xml version="1.0" encoding="utf-8"?>
+<p:sld xmlns:a="http://schemas.openxmlformats.org/drawingml/2006/main" xmlns:r="http://schemas.openxmlformats.org/officeDocument/2006/relationships" xmlns:p="http://schemas.openxmlformats.org/presentationml/2006/main">
+  <p:cSld>
+    <p:spTree>
+      <p:nvGrpSpPr>
+        <p:cNvPr id="1" name=""/>
+        <p:cNvGrpSpPr/>
+        <p:nvPr/>
+      </p:nvGrpSpPr>
+      <p:grpSpPr>
+        <a:xfrm>
+          <a:off x="0" y="0"/>
+          <a:ext cx="0" cy="0"/>
+          <a:chOff x="0" y="0"/>
+          <a:chExt cx="0" cy="0"/>
+        </a:xfrm>
+      </p:grpSpPr>
+      <p:sp>
+        <p:nvSpPr>
+          <p:cNvPr id="2" name="Title 1"/>
+          <p:cNvSpPr>
+            <a:spLocks noGrp="1"/>
+          </p:cNvSpPr>
+          <p:nvPr>
+            <p:ph type="title"/>
+          </p:nvPr>
+        </p:nvSpPr>
+        <p:spPr/>
+        <p:txBody>
+          <a:bodyPr/>
+          <a:lstStyle/>
+          <a:p>
+            <a:r>
+              <a:rPr lang="en-US" dirty="0" smtClean="0"/>
+              <a:t>Project roles</a:t>
+            </a:r>
+            <a:endParaRPr lang="en-SG" dirty="0"/>
+          </a:p>
+        </p:txBody>
+      </p:sp>
+      <p:sp>
+        <p:nvSpPr>
+          <p:cNvPr id="3" name="Content Placeholder 2"/>
+          <p:cNvSpPr>
+            <a:spLocks noGrp="1"/>
+          </p:cNvSpPr>
+          <p:nvPr>
+            <p:ph idx="1"/>
+          </p:nvPr>
+        </p:nvSpPr>
+        <p:spPr/>
+        <p:txBody>
+          <a:bodyPr/>
+          <a:lstStyle/>
+          <a:p>
+            <a:endParaRPr lang="en-SG"/>
+          </a:p>
+        </p:txBody>
+      </p:sp>
+    </p:spTree>
+  </p:cSld>
+  <p:clrMapOvr>
+    <a:masterClrMapping/>
+  </p:clrMapOvr>
+</p:sld>
+</file>
+
+<file path=ppt/slides/slide4.xml><?xml version="1.0" encoding="utf-8"?>
+<p:sld xmlns:a="http://schemas.openxmlformats.org/drawingml/2006/main" xmlns:r="http://schemas.openxmlformats.org/officeDocument/2006/relationships" xmlns:p="http://schemas.openxmlformats.org/presentationml/2006/main">
+  <p:cSld>
+    <p:spTree>
+      <p:nvGrpSpPr>
+        <p:cNvPr id="1" name=""/>
+        <p:cNvGrpSpPr/>
+        <p:nvPr/>
+      </p:nvGrpSpPr>
+      <p:grpSpPr>
+        <a:xfrm>
+          <a:off x="0" y="0"/>
+          <a:ext cx="0" cy="0"/>
+          <a:chOff x="0" y="0"/>
+          <a:chExt cx="0" cy="0"/>
+        </a:xfrm>
+      </p:grpSpPr>
+      <p:sp>
+        <p:nvSpPr>
+          <p:cNvPr id="2" name="Title 1"/>
+          <p:cNvSpPr>
+            <a:spLocks noGrp="1"/>
+          </p:cNvSpPr>
+          <p:nvPr>
+            <p:ph type="title"/>
+          </p:nvPr>
+        </p:nvSpPr>
+        <p:spPr/>
+        <p:txBody>
+          <a:bodyPr/>
+          <a:lstStyle/>
+          <a:p>
+            <a:r>
+              <a:rPr lang="en-US" dirty="0" smtClean="0"/>
+              <a:t>Market analysis</a:t>
+            </a:r>
+            <a:endParaRPr lang="en-SG" dirty="0"/>
+          </a:p>
+        </p:txBody>
+      </p:sp>
+      <p:sp>
+        <p:nvSpPr>
+          <p:cNvPr id="3" name="Content Placeholder 2"/>
+          <p:cNvSpPr>
+            <a:spLocks noGrp="1"/>
+          </p:cNvSpPr>
+          <p:nvPr>
+            <p:ph idx="1"/>
+          </p:nvPr>
+        </p:nvSpPr>
+        <p:spPr/>
+        <p:txBody>
+          <a:bodyPr/>
+          <a:lstStyle/>
+          <a:p>
+            <a:endParaRPr lang="en-SG"/>
+          </a:p>
+        </p:txBody>
+      </p:sp>
+    </p:spTree>
+  </p:cSld>
+  <p:clrMapOvr>
+    <a:masterClrMapping/>
+  </p:clrMapOvr>
+</p:sld>
+</file>
+
+<file path=ppt/slides/slide5.xml><?xml version="1.0" encoding="utf-8"?>
+<p:sld xmlns:a="http://schemas.openxmlformats.org/drawingml/2006/main" xmlns:r="http://schemas.openxmlformats.org/officeDocument/2006/relationships" xmlns:p="http://schemas.openxmlformats.org/presentationml/2006/main">
+  <p:cSld>
+    <p:spTree>
+      <p:nvGrpSpPr>
+        <p:cNvPr id="1" name=""/>
+        <p:cNvGrpSpPr/>
+        <p:nvPr/>
+      </p:nvGrpSpPr>
+      <p:grpSpPr>
+        <a:xfrm>
+          <a:off x="0" y="0"/>
+          <a:ext cx="0" cy="0"/>
+          <a:chOff x="0" y="0"/>
+          <a:chExt cx="0" cy="0"/>
+        </a:xfrm>
+      </p:grpSpPr>
+      <p:sp>
+        <p:nvSpPr>
+          <p:cNvPr id="2" name="Title 1"/>
+          <p:cNvSpPr>
+            <a:spLocks noGrp="1"/>
+          </p:cNvSpPr>
+          <p:nvPr>
+            <p:ph type="title"/>
+          </p:nvPr>
+        </p:nvSpPr>
+        <p:spPr/>
+        <p:txBody>
+          <a:bodyPr/>
+          <a:lstStyle/>
+          <a:p>
+            <a:r>
+              <a:rPr lang="en-US" dirty="0" smtClean="0"/>
+              <a:t>Product analysis</a:t>
+            </a:r>
+            <a:endParaRPr lang="en-SG" dirty="0"/>
+          </a:p>
+        </p:txBody>
+      </p:sp>
+      <p:sp>
+        <p:nvSpPr>
+          <p:cNvPr id="3" name="Content Placeholder 2"/>
+          <p:cNvSpPr>
+            <a:spLocks noGrp="1"/>
+          </p:cNvSpPr>
+          <p:nvPr>
+            <p:ph idx="1"/>
+          </p:nvPr>
+        </p:nvSpPr>
+        <p:spPr/>
+        <p:txBody>
+          <a:bodyPr/>
+          <a:lstStyle/>
+          <a:p>
+            <a:endParaRPr lang="en-SG"/>
+          </a:p>
+        </p:txBody>
+      </p:sp>
+    </p:spTree>
+  </p:cSld>
+  <p:clrMapOvr>
+    <a:masterClrMapping/>
+  </p:clrMapOvr>
+</p:sld>
+</file>
+
+<file path=ppt/slides/slide6.xml><?xml version="1.0" encoding="utf-8"?>
+<p:sld xmlns:a="http://schemas.openxmlformats.org/drawingml/2006/main" xmlns:r="http://schemas.openxmlformats.org/officeDocument/2006/relationships" xmlns:p="http://schemas.openxmlformats.org/presentationml/2006/main">
+  <p:cSld>
+    <p:spTree>
+      <p:nvGrpSpPr>
+        <p:cNvPr id="1" name=""/>
+        <p:cNvGrpSpPr/>
+        <p:nvPr/>
+      </p:nvGrpSpPr>
+      <p:grpSpPr>
+        <a:xfrm>
+          <a:off x="0" y="0"/>
+          <a:ext cx="0" cy="0"/>
+          <a:chOff x="0" y="0"/>
+          <a:chExt cx="0" cy="0"/>
+        </a:xfrm>
+      </p:grpSpPr>
+      <p:sp>
+        <p:nvSpPr>
+          <p:cNvPr id="2" name="Title 1"/>
+          <p:cNvSpPr>
+            <a:spLocks noGrp="1"/>
+          </p:cNvSpPr>
+          <p:nvPr>
+            <p:ph type="title"/>
+          </p:nvPr>
+        </p:nvSpPr>
+        <p:spPr/>
+        <p:txBody>
+          <a:bodyPr/>
+          <a:lstStyle/>
+          <a:p>
+            <a:r>
+              <a:rPr lang="en-US" dirty="0" smtClean="0"/>
+              <a:t>Work breakdown structure</a:t>
+            </a:r>
+            <a:endParaRPr lang="en-SG" dirty="0"/>
+          </a:p>
+        </p:txBody>
+      </p:sp>
+      <p:sp>
+        <p:nvSpPr>
+          <p:cNvPr id="3" name="Content Placeholder 2"/>
+          <p:cNvSpPr>
+            <a:spLocks noGrp="1"/>
+          </p:cNvSpPr>
+          <p:nvPr>
+            <p:ph idx="1"/>
+          </p:nvPr>
+        </p:nvSpPr>
+        <p:spPr/>
+        <p:txBody>
+          <a:bodyPr/>
+          <a:lstStyle/>
+          <a:p>
+            <a:endParaRPr lang="en-SG"/>
+          </a:p>
+        </p:txBody>
+      </p:sp>
+    </p:spTree>
+  </p:cSld>
+  <p:clrMapOvr>
+    <a:masterClrMapping/>
+  </p:clrMapOvr>
+</p:sld>
+</file>
+
+<file path=ppt/slides/slide7.xml><?xml version="1.0" encoding="utf-8"?>
+<p:sld xmlns:a="http://schemas.openxmlformats.org/drawingml/2006/main" xmlns:r="http://schemas.openxmlformats.org/officeDocument/2006/relationships" xmlns:p="http://schemas.openxmlformats.org/presentationml/2006/main">
+  <p:cSld>
+    <p:spTree>
+      <p:nvGrpSpPr>
+        <p:cNvPr id="1" name=""/>
+        <p:cNvGrpSpPr/>
+        <p:nvPr/>
+      </p:nvGrpSpPr>
+      <p:grpSpPr>
+        <a:xfrm>
+          <a:off x="0" y="0"/>
+          <a:ext cx="0" cy="0"/>
+          <a:chOff x="0" y="0"/>
+          <a:chExt cx="0" cy="0"/>
+        </a:xfrm>
+      </p:grpSpPr>
+      <p:sp>
+        <p:nvSpPr>
+          <p:cNvPr id="2" name="Title 1"/>
+          <p:cNvSpPr>
+            <a:spLocks noGrp="1"/>
+          </p:cNvSpPr>
+          <p:nvPr>
+            <p:ph type="title"/>
+          </p:nvPr>
+        </p:nvSpPr>
+        <p:spPr/>
+        <p:txBody>
+          <a:bodyPr/>
+          <a:lstStyle/>
+          <a:p>
+            <a:r>
+              <a:rPr lang="en-US" dirty="0" smtClean="0"/>
+              <a:t>Project phases</a:t>
+            </a:r>
+            <a:endParaRPr lang="en-SG" dirty="0"/>
+          </a:p>
+        </p:txBody>
+      </p:sp>
+      <p:sp>
+        <p:nvSpPr>
+          <p:cNvPr id="3" name="Content Placeholder 2"/>
+          <p:cNvSpPr>
+            <a:spLocks noGrp="1"/>
+          </p:cNvSpPr>
+          <p:nvPr>
+            <p:ph idx="1"/>
+          </p:nvPr>
+        </p:nvSpPr>
+        <p:spPr/>
+        <p:txBody>
+          <a:bodyPr/>
+          <a:lstStyle/>
+          <a:p>
+            <a:endParaRPr lang="en-SG"/>
+          </a:p>
+        </p:txBody>
+      </p:sp>
+    </p:spTree>
+  </p:cSld>
+  <p:clrMapOvr>
+    <a:masterClrMapping/>
+  </p:clrMapOvr>
+</p:sld>
 </file>
 
 <file path=ppt/theme/theme1.xml><?xml version="1.0" encoding="utf-8"?>

--- a/projectplan.pptx
+++ b/projectplan.pptx
@@ -6,12 +6,14 @@
   </p:sldMasterIdLst>
   <p:sldIdLst>
     <p:sldId id="256" r:id="rId2"/>
-    <p:sldId id="257" r:id="rId3"/>
-    <p:sldId id="260" r:id="rId4"/>
-    <p:sldId id="259" r:id="rId5"/>
-    <p:sldId id="261" r:id="rId6"/>
-    <p:sldId id="262" r:id="rId7"/>
-    <p:sldId id="258" r:id="rId8"/>
+    <p:sldId id="263" r:id="rId3"/>
+    <p:sldId id="257" r:id="rId4"/>
+    <p:sldId id="260" r:id="rId5"/>
+    <p:sldId id="259" r:id="rId6"/>
+    <p:sldId id="261" r:id="rId7"/>
+    <p:sldId id="264" r:id="rId8"/>
+    <p:sldId id="262" r:id="rId9"/>
+    <p:sldId id="258" r:id="rId10"/>
   </p:sldIdLst>
   <p:sldSz cx="9144000" cy="6858000" type="screen4x3"/>
   <p:notesSz cx="6858000" cy="9144000"/>
@@ -3153,7 +3155,7 @@
           <a:p>
             <a:r>
               <a:rPr lang="en-US" dirty="0" smtClean="0"/>
-              <a:t>Project objective</a:t>
+              <a:t>Agenda</a:t>
             </a:r>
             <a:endParaRPr lang="en-SG" dirty="0"/>
           </a:p>
@@ -3220,7 +3222,7 @@
           <a:p>
             <a:r>
               <a:rPr lang="en-US" dirty="0" smtClean="0"/>
-              <a:t>Project roles</a:t>
+              <a:t>Project objective</a:t>
             </a:r>
             <a:endParaRPr lang="en-SG" dirty="0"/>
           </a:p>
@@ -3287,7 +3289,7 @@
           <a:p>
             <a:r>
               <a:rPr lang="en-US" dirty="0" smtClean="0"/>
-              <a:t>Market analysis</a:t>
+              <a:t>Project roles</a:t>
             </a:r>
             <a:endParaRPr lang="en-SG" dirty="0"/>
           </a:p>
@@ -3354,7 +3356,7 @@
           <a:p>
             <a:r>
               <a:rPr lang="en-US" dirty="0" smtClean="0"/>
-              <a:t>Product analysis</a:t>
+              <a:t>Market analysis</a:t>
             </a:r>
             <a:endParaRPr lang="en-SG" dirty="0"/>
           </a:p>
@@ -3421,7 +3423,7 @@
           <a:p>
             <a:r>
               <a:rPr lang="en-US" dirty="0" smtClean="0"/>
-              <a:t>Work breakdown structure</a:t>
+              <a:t>Product analysis</a:t>
             </a:r>
             <a:endParaRPr lang="en-SG" dirty="0"/>
           </a:p>
@@ -3455,6 +3457,140 @@
 </file>
 
 <file path=ppt/slides/slide7.xml><?xml version="1.0" encoding="utf-8"?>
+<p:sld xmlns:a="http://schemas.openxmlformats.org/drawingml/2006/main" xmlns:r="http://schemas.openxmlformats.org/officeDocument/2006/relationships" xmlns:p="http://schemas.openxmlformats.org/presentationml/2006/main">
+  <p:cSld>
+    <p:spTree>
+      <p:nvGrpSpPr>
+        <p:cNvPr id="1" name=""/>
+        <p:cNvGrpSpPr/>
+        <p:nvPr/>
+      </p:nvGrpSpPr>
+      <p:grpSpPr>
+        <a:xfrm>
+          <a:off x="0" y="0"/>
+          <a:ext cx="0" cy="0"/>
+          <a:chOff x="0" y="0"/>
+          <a:chExt cx="0" cy="0"/>
+        </a:xfrm>
+      </p:grpSpPr>
+      <p:sp>
+        <p:nvSpPr>
+          <p:cNvPr id="2" name="Title 1"/>
+          <p:cNvSpPr>
+            <a:spLocks noGrp="1"/>
+          </p:cNvSpPr>
+          <p:nvPr>
+            <p:ph type="title"/>
+          </p:nvPr>
+        </p:nvSpPr>
+        <p:spPr/>
+        <p:txBody>
+          <a:bodyPr/>
+          <a:lstStyle/>
+          <a:p>
+            <a:r>
+              <a:rPr lang="en-US" dirty="0" smtClean="0"/>
+              <a:t>Resource analysis</a:t>
+            </a:r>
+            <a:endParaRPr lang="en-SG" dirty="0"/>
+          </a:p>
+        </p:txBody>
+      </p:sp>
+      <p:sp>
+        <p:nvSpPr>
+          <p:cNvPr id="3" name="Content Placeholder 2"/>
+          <p:cNvSpPr>
+            <a:spLocks noGrp="1"/>
+          </p:cNvSpPr>
+          <p:nvPr>
+            <p:ph idx="1"/>
+          </p:nvPr>
+        </p:nvSpPr>
+        <p:spPr/>
+        <p:txBody>
+          <a:bodyPr/>
+          <a:lstStyle/>
+          <a:p>
+            <a:endParaRPr lang="en-SG"/>
+          </a:p>
+        </p:txBody>
+      </p:sp>
+    </p:spTree>
+  </p:cSld>
+  <p:clrMapOvr>
+    <a:masterClrMapping/>
+  </p:clrMapOvr>
+</p:sld>
+</file>
+
+<file path=ppt/slides/slide8.xml><?xml version="1.0" encoding="utf-8"?>
+<p:sld xmlns:a="http://schemas.openxmlformats.org/drawingml/2006/main" xmlns:r="http://schemas.openxmlformats.org/officeDocument/2006/relationships" xmlns:p="http://schemas.openxmlformats.org/presentationml/2006/main">
+  <p:cSld>
+    <p:spTree>
+      <p:nvGrpSpPr>
+        <p:cNvPr id="1" name=""/>
+        <p:cNvGrpSpPr/>
+        <p:nvPr/>
+      </p:nvGrpSpPr>
+      <p:grpSpPr>
+        <a:xfrm>
+          <a:off x="0" y="0"/>
+          <a:ext cx="0" cy="0"/>
+          <a:chOff x="0" y="0"/>
+          <a:chExt cx="0" cy="0"/>
+        </a:xfrm>
+      </p:grpSpPr>
+      <p:sp>
+        <p:nvSpPr>
+          <p:cNvPr id="2" name="Title 1"/>
+          <p:cNvSpPr>
+            <a:spLocks noGrp="1"/>
+          </p:cNvSpPr>
+          <p:nvPr>
+            <p:ph type="title"/>
+          </p:nvPr>
+        </p:nvSpPr>
+        <p:spPr/>
+        <p:txBody>
+          <a:bodyPr/>
+          <a:lstStyle/>
+          <a:p>
+            <a:r>
+              <a:rPr lang="en-US" dirty="0" smtClean="0"/>
+              <a:t>Work breakdown structure</a:t>
+            </a:r>
+            <a:endParaRPr lang="en-SG" dirty="0"/>
+          </a:p>
+        </p:txBody>
+      </p:sp>
+      <p:sp>
+        <p:nvSpPr>
+          <p:cNvPr id="3" name="Content Placeholder 2"/>
+          <p:cNvSpPr>
+            <a:spLocks noGrp="1"/>
+          </p:cNvSpPr>
+          <p:nvPr>
+            <p:ph idx="1"/>
+          </p:nvPr>
+        </p:nvSpPr>
+        <p:spPr/>
+        <p:txBody>
+          <a:bodyPr/>
+          <a:lstStyle/>
+          <a:p>
+            <a:endParaRPr lang="en-SG"/>
+          </a:p>
+        </p:txBody>
+      </p:sp>
+    </p:spTree>
+  </p:cSld>
+  <p:clrMapOvr>
+    <a:masterClrMapping/>
+  </p:clrMapOvr>
+</p:sld>
+</file>
+
+<file path=ppt/slides/slide9.xml><?xml version="1.0" encoding="utf-8"?>
 <p:sld xmlns:a="http://schemas.openxmlformats.org/drawingml/2006/main" xmlns:r="http://schemas.openxmlformats.org/officeDocument/2006/relationships" xmlns:p="http://schemas.openxmlformats.org/presentationml/2006/main">
   <p:cSld>
     <p:spTree>

--- a/projectplan.pptx
+++ b/projectplan.pptx
@@ -9,11 +9,17 @@
     <p:sldId id="263" r:id="rId3"/>
     <p:sldId id="257" r:id="rId4"/>
     <p:sldId id="260" r:id="rId5"/>
-    <p:sldId id="259" r:id="rId6"/>
-    <p:sldId id="261" r:id="rId7"/>
-    <p:sldId id="264" r:id="rId8"/>
-    <p:sldId id="262" r:id="rId9"/>
-    <p:sldId id="258" r:id="rId10"/>
+    <p:sldId id="271" r:id="rId6"/>
+    <p:sldId id="259" r:id="rId7"/>
+    <p:sldId id="261" r:id="rId8"/>
+    <p:sldId id="264" r:id="rId9"/>
+    <p:sldId id="265" r:id="rId10"/>
+    <p:sldId id="266" r:id="rId11"/>
+    <p:sldId id="267" r:id="rId12"/>
+    <p:sldId id="269" r:id="rId13"/>
+    <p:sldId id="270" r:id="rId14"/>
+    <p:sldId id="262" r:id="rId15"/>
+    <p:sldId id="258" r:id="rId16"/>
   </p:sldIdLst>
   <p:sldSz cx="9144000" cy="6858000" type="screen4x3"/>
   <p:notesSz cx="6858000" cy="9144000"/>
@@ -3121,6 +3127,412 @@
 </p:sld>
 </file>
 
+<file path=ppt/slides/slide10.xml><?xml version="1.0" encoding="utf-8"?>
+<p:sld xmlns:a="http://schemas.openxmlformats.org/drawingml/2006/main" xmlns:r="http://schemas.openxmlformats.org/officeDocument/2006/relationships" xmlns:p="http://schemas.openxmlformats.org/presentationml/2006/main">
+  <p:cSld>
+    <p:spTree>
+      <p:nvGrpSpPr>
+        <p:cNvPr id="1" name=""/>
+        <p:cNvGrpSpPr/>
+        <p:nvPr/>
+      </p:nvGrpSpPr>
+      <p:grpSpPr>
+        <a:xfrm>
+          <a:off x="0" y="0"/>
+          <a:ext cx="0" cy="0"/>
+          <a:chOff x="0" y="0"/>
+          <a:chExt cx="0" cy="0"/>
+        </a:xfrm>
+      </p:grpSpPr>
+      <p:sp>
+        <p:nvSpPr>
+          <p:cNvPr id="2" name="Title 1"/>
+          <p:cNvSpPr>
+            <a:spLocks noGrp="1"/>
+          </p:cNvSpPr>
+          <p:nvPr>
+            <p:ph type="title"/>
+          </p:nvPr>
+        </p:nvSpPr>
+        <p:spPr/>
+        <p:txBody>
+          <a:bodyPr/>
+          <a:lstStyle/>
+          <a:p>
+            <a:r>
+              <a:rPr lang="en-US" dirty="0" smtClean="0"/>
+              <a:t>Project development flow</a:t>
+            </a:r>
+            <a:endParaRPr lang="en-SG" dirty="0"/>
+          </a:p>
+        </p:txBody>
+      </p:sp>
+      <p:sp>
+        <p:nvSpPr>
+          <p:cNvPr id="3" name="Content Placeholder 2"/>
+          <p:cNvSpPr>
+            <a:spLocks noGrp="1"/>
+          </p:cNvSpPr>
+          <p:nvPr>
+            <p:ph idx="1"/>
+          </p:nvPr>
+        </p:nvSpPr>
+        <p:spPr/>
+        <p:txBody>
+          <a:bodyPr/>
+          <a:lstStyle/>
+          <a:p>
+            <a:endParaRPr lang="en-SG"/>
+          </a:p>
+        </p:txBody>
+      </p:sp>
+    </p:spTree>
+  </p:cSld>
+  <p:clrMapOvr>
+    <a:masterClrMapping/>
+  </p:clrMapOvr>
+</p:sld>
+</file>
+
+<file path=ppt/slides/slide11.xml><?xml version="1.0" encoding="utf-8"?>
+<p:sld xmlns:a="http://schemas.openxmlformats.org/drawingml/2006/main" xmlns:r="http://schemas.openxmlformats.org/officeDocument/2006/relationships" xmlns:p="http://schemas.openxmlformats.org/presentationml/2006/main">
+  <p:cSld>
+    <p:spTree>
+      <p:nvGrpSpPr>
+        <p:cNvPr id="1" name=""/>
+        <p:cNvGrpSpPr/>
+        <p:nvPr/>
+      </p:nvGrpSpPr>
+      <p:grpSpPr>
+        <a:xfrm>
+          <a:off x="0" y="0"/>
+          <a:ext cx="0" cy="0"/>
+          <a:chOff x="0" y="0"/>
+          <a:chExt cx="0" cy="0"/>
+        </a:xfrm>
+      </p:grpSpPr>
+      <p:sp>
+        <p:nvSpPr>
+          <p:cNvPr id="2" name="Title 1"/>
+          <p:cNvSpPr>
+            <a:spLocks noGrp="1"/>
+          </p:cNvSpPr>
+          <p:nvPr>
+            <p:ph type="title"/>
+          </p:nvPr>
+        </p:nvSpPr>
+        <p:spPr/>
+        <p:txBody>
+          <a:bodyPr/>
+          <a:lstStyle/>
+          <a:p>
+            <a:r>
+              <a:rPr lang="en-US" dirty="0" smtClean="0"/>
+              <a:t>Product quality assurance(QA)</a:t>
+            </a:r>
+            <a:endParaRPr lang="en-SG" dirty="0"/>
+          </a:p>
+        </p:txBody>
+      </p:sp>
+      <p:sp>
+        <p:nvSpPr>
+          <p:cNvPr id="3" name="Content Placeholder 2"/>
+          <p:cNvSpPr>
+            <a:spLocks noGrp="1"/>
+          </p:cNvSpPr>
+          <p:nvPr>
+            <p:ph idx="1"/>
+          </p:nvPr>
+        </p:nvSpPr>
+        <p:spPr/>
+        <p:txBody>
+          <a:bodyPr/>
+          <a:lstStyle/>
+          <a:p>
+            <a:endParaRPr lang="en-SG"/>
+          </a:p>
+        </p:txBody>
+      </p:sp>
+    </p:spTree>
+  </p:cSld>
+  <p:clrMapOvr>
+    <a:masterClrMapping/>
+  </p:clrMapOvr>
+</p:sld>
+</file>
+
+<file path=ppt/slides/slide12.xml><?xml version="1.0" encoding="utf-8"?>
+<p:sld xmlns:a="http://schemas.openxmlformats.org/drawingml/2006/main" xmlns:r="http://schemas.openxmlformats.org/officeDocument/2006/relationships" xmlns:p="http://schemas.openxmlformats.org/presentationml/2006/main">
+  <p:cSld>
+    <p:spTree>
+      <p:nvGrpSpPr>
+        <p:cNvPr id="1" name=""/>
+        <p:cNvGrpSpPr/>
+        <p:nvPr/>
+      </p:nvGrpSpPr>
+      <p:grpSpPr>
+        <a:xfrm>
+          <a:off x="0" y="0"/>
+          <a:ext cx="0" cy="0"/>
+          <a:chOff x="0" y="0"/>
+          <a:chExt cx="0" cy="0"/>
+        </a:xfrm>
+      </p:grpSpPr>
+      <p:sp>
+        <p:nvSpPr>
+          <p:cNvPr id="2" name="Title 1"/>
+          <p:cNvSpPr>
+            <a:spLocks noGrp="1"/>
+          </p:cNvSpPr>
+          <p:nvPr>
+            <p:ph type="title"/>
+          </p:nvPr>
+        </p:nvSpPr>
+        <p:spPr/>
+        <p:txBody>
+          <a:bodyPr/>
+          <a:lstStyle/>
+          <a:p>
+            <a:r>
+              <a:rPr lang="en-US" dirty="0" smtClean="0"/>
+              <a:t>Product release strategy</a:t>
+            </a:r>
+            <a:endParaRPr lang="en-SG" dirty="0"/>
+          </a:p>
+        </p:txBody>
+      </p:sp>
+      <p:sp>
+        <p:nvSpPr>
+          <p:cNvPr id="3" name="Content Placeholder 2"/>
+          <p:cNvSpPr>
+            <a:spLocks noGrp="1"/>
+          </p:cNvSpPr>
+          <p:nvPr>
+            <p:ph idx="1"/>
+          </p:nvPr>
+        </p:nvSpPr>
+        <p:spPr/>
+        <p:txBody>
+          <a:bodyPr/>
+          <a:lstStyle/>
+          <a:p>
+            <a:endParaRPr lang="en-SG"/>
+          </a:p>
+        </p:txBody>
+      </p:sp>
+    </p:spTree>
+  </p:cSld>
+  <p:clrMapOvr>
+    <a:masterClrMapping/>
+  </p:clrMapOvr>
+</p:sld>
+</file>
+
+<file path=ppt/slides/slide13.xml><?xml version="1.0" encoding="utf-8"?>
+<p:sld xmlns:a="http://schemas.openxmlformats.org/drawingml/2006/main" xmlns:r="http://schemas.openxmlformats.org/officeDocument/2006/relationships" xmlns:p="http://schemas.openxmlformats.org/presentationml/2006/main">
+  <p:cSld>
+    <p:spTree>
+      <p:nvGrpSpPr>
+        <p:cNvPr id="1" name=""/>
+        <p:cNvGrpSpPr/>
+        <p:nvPr/>
+      </p:nvGrpSpPr>
+      <p:grpSpPr>
+        <a:xfrm>
+          <a:off x="0" y="0"/>
+          <a:ext cx="0" cy="0"/>
+          <a:chOff x="0" y="0"/>
+          <a:chExt cx="0" cy="0"/>
+        </a:xfrm>
+      </p:grpSpPr>
+      <p:sp>
+        <p:nvSpPr>
+          <p:cNvPr id="2" name="Title 1"/>
+          <p:cNvSpPr>
+            <a:spLocks noGrp="1"/>
+          </p:cNvSpPr>
+          <p:nvPr>
+            <p:ph type="title"/>
+          </p:nvPr>
+        </p:nvSpPr>
+        <p:spPr/>
+        <p:txBody>
+          <a:bodyPr/>
+          <a:lstStyle/>
+          <a:p>
+            <a:r>
+              <a:rPr lang="en-US" dirty="0" smtClean="0"/>
+              <a:t>Product release process</a:t>
+            </a:r>
+            <a:endParaRPr lang="en-SG" dirty="0"/>
+          </a:p>
+        </p:txBody>
+      </p:sp>
+      <p:sp>
+        <p:nvSpPr>
+          <p:cNvPr id="3" name="Content Placeholder 2"/>
+          <p:cNvSpPr>
+            <a:spLocks noGrp="1"/>
+          </p:cNvSpPr>
+          <p:nvPr>
+            <p:ph idx="1"/>
+          </p:nvPr>
+        </p:nvSpPr>
+        <p:spPr/>
+        <p:txBody>
+          <a:bodyPr/>
+          <a:lstStyle/>
+          <a:p>
+            <a:endParaRPr lang="en-SG"/>
+          </a:p>
+        </p:txBody>
+      </p:sp>
+    </p:spTree>
+  </p:cSld>
+  <p:clrMapOvr>
+    <a:masterClrMapping/>
+  </p:clrMapOvr>
+</p:sld>
+</file>
+
+<file path=ppt/slides/slide14.xml><?xml version="1.0" encoding="utf-8"?>
+<p:sld xmlns:a="http://schemas.openxmlformats.org/drawingml/2006/main" xmlns:r="http://schemas.openxmlformats.org/officeDocument/2006/relationships" xmlns:p="http://schemas.openxmlformats.org/presentationml/2006/main">
+  <p:cSld>
+    <p:spTree>
+      <p:nvGrpSpPr>
+        <p:cNvPr id="1" name=""/>
+        <p:cNvGrpSpPr/>
+        <p:nvPr/>
+      </p:nvGrpSpPr>
+      <p:grpSpPr>
+        <a:xfrm>
+          <a:off x="0" y="0"/>
+          <a:ext cx="0" cy="0"/>
+          <a:chOff x="0" y="0"/>
+          <a:chExt cx="0" cy="0"/>
+        </a:xfrm>
+      </p:grpSpPr>
+      <p:sp>
+        <p:nvSpPr>
+          <p:cNvPr id="2" name="Title 1"/>
+          <p:cNvSpPr>
+            <a:spLocks noGrp="1"/>
+          </p:cNvSpPr>
+          <p:nvPr>
+            <p:ph type="title"/>
+          </p:nvPr>
+        </p:nvSpPr>
+        <p:spPr/>
+        <p:txBody>
+          <a:bodyPr/>
+          <a:lstStyle/>
+          <a:p>
+            <a:r>
+              <a:rPr lang="en-US" dirty="0" smtClean="0"/>
+              <a:t>Work breakdown structure</a:t>
+            </a:r>
+            <a:endParaRPr lang="en-SG" dirty="0"/>
+          </a:p>
+        </p:txBody>
+      </p:sp>
+      <p:sp>
+        <p:nvSpPr>
+          <p:cNvPr id="3" name="Content Placeholder 2"/>
+          <p:cNvSpPr>
+            <a:spLocks noGrp="1"/>
+          </p:cNvSpPr>
+          <p:nvPr>
+            <p:ph idx="1"/>
+          </p:nvPr>
+        </p:nvSpPr>
+        <p:spPr/>
+        <p:txBody>
+          <a:bodyPr/>
+          <a:lstStyle/>
+          <a:p>
+            <a:endParaRPr lang="en-SG"/>
+          </a:p>
+        </p:txBody>
+      </p:sp>
+    </p:spTree>
+  </p:cSld>
+  <p:clrMapOvr>
+    <a:masterClrMapping/>
+  </p:clrMapOvr>
+</p:sld>
+</file>
+
+<file path=ppt/slides/slide15.xml><?xml version="1.0" encoding="utf-8"?>
+<p:sld xmlns:a="http://schemas.openxmlformats.org/drawingml/2006/main" xmlns:r="http://schemas.openxmlformats.org/officeDocument/2006/relationships" xmlns:p="http://schemas.openxmlformats.org/presentationml/2006/main">
+  <p:cSld>
+    <p:spTree>
+      <p:nvGrpSpPr>
+        <p:cNvPr id="1" name=""/>
+        <p:cNvGrpSpPr/>
+        <p:nvPr/>
+      </p:nvGrpSpPr>
+      <p:grpSpPr>
+        <a:xfrm>
+          <a:off x="0" y="0"/>
+          <a:ext cx="0" cy="0"/>
+          <a:chOff x="0" y="0"/>
+          <a:chExt cx="0" cy="0"/>
+        </a:xfrm>
+      </p:grpSpPr>
+      <p:sp>
+        <p:nvSpPr>
+          <p:cNvPr id="2" name="Title 1"/>
+          <p:cNvSpPr>
+            <a:spLocks noGrp="1"/>
+          </p:cNvSpPr>
+          <p:nvPr>
+            <p:ph type="title"/>
+          </p:nvPr>
+        </p:nvSpPr>
+        <p:spPr/>
+        <p:txBody>
+          <a:bodyPr/>
+          <a:lstStyle/>
+          <a:p>
+            <a:r>
+              <a:rPr lang="en-US" dirty="0" smtClean="0"/>
+              <a:t>Project </a:t>
+            </a:r>
+            <a:r>
+              <a:rPr lang="en-US" dirty="0" smtClean="0"/>
+              <a:t>milestones</a:t>
+            </a:r>
+            <a:endParaRPr lang="en-SG" dirty="0"/>
+          </a:p>
+        </p:txBody>
+      </p:sp>
+      <p:sp>
+        <p:nvSpPr>
+          <p:cNvPr id="3" name="Content Placeholder 2"/>
+          <p:cNvSpPr>
+            <a:spLocks noGrp="1"/>
+          </p:cNvSpPr>
+          <p:nvPr>
+            <p:ph idx="1"/>
+          </p:nvPr>
+        </p:nvSpPr>
+        <p:spPr/>
+        <p:txBody>
+          <a:bodyPr/>
+          <a:lstStyle/>
+          <a:p>
+            <a:endParaRPr lang="en-SG"/>
+          </a:p>
+        </p:txBody>
+      </p:sp>
+    </p:spTree>
+  </p:cSld>
+  <p:clrMapOvr>
+    <a:masterClrMapping/>
+  </p:clrMapOvr>
+</p:sld>
+</file>
+
 <file path=ppt/slides/slide2.xml><?xml version="1.0" encoding="utf-8"?>
 <p:sld xmlns:a="http://schemas.openxmlformats.org/drawingml/2006/main" xmlns:r="http://schemas.openxmlformats.org/officeDocument/2006/relationships" xmlns:p="http://schemas.openxmlformats.org/presentationml/2006/main">
   <p:cSld>
@@ -3243,7 +3655,30 @@
           <a:bodyPr/>
           <a:lstStyle/>
           <a:p>
-            <a:endParaRPr lang="en-SG"/>
+            <a:r>
+              <a:rPr lang="en-US" dirty="0" smtClean="0"/>
+              <a:t>To develop an online community which integrates web service, mobile application and mobile devices with regard to the sports activities.</a:t>
+            </a:r>
+          </a:p>
+          <a:p>
+            <a:r>
+              <a:rPr lang="en-US" dirty="0" smtClean="0"/>
+              <a:t>This community should provide potential commercial services </a:t>
+            </a:r>
+          </a:p>
+          <a:p>
+            <a:pPr>
+              <a:buNone/>
+            </a:pPr>
+            <a:r>
+              <a:rPr lang="en-US" dirty="0" smtClean="0"/>
+              <a:t> </a:t>
+            </a:r>
+            <a:r>
+              <a:rPr lang="en-US" dirty="0" smtClean="0"/>
+              <a:t> </a:t>
+            </a:r>
+            <a:endParaRPr lang="en-SG" dirty="0"/>
           </a:p>
         </p:txBody>
       </p:sp>
@@ -3289,7 +3724,11 @@
           <a:p>
             <a:r>
               <a:rPr lang="en-US" dirty="0" smtClean="0"/>
-              <a:t>Project roles</a:t>
+              <a:t>Project </a:t>
+            </a:r>
+            <a:r>
+              <a:rPr lang="en-US" dirty="0" smtClean="0"/>
+              <a:t>team</a:t>
             </a:r>
             <a:endParaRPr lang="en-SG" dirty="0"/>
           </a:p>
@@ -3307,10 +3746,77 @@
         </p:nvSpPr>
         <p:spPr/>
         <p:txBody>
-          <a:bodyPr/>
-          <a:lstStyle/>
-          <a:p>
-            <a:endParaRPr lang="en-SG"/>
+          <a:bodyPr>
+            <a:normAutofit/>
+          </a:bodyPr>
+          <a:lstStyle/>
+          <a:p>
+            <a:r>
+              <a:rPr lang="en-US" dirty="0" smtClean="0"/>
+              <a:t>2 developers</a:t>
+            </a:r>
+          </a:p>
+          <a:p>
+            <a:pPr>
+              <a:buNone/>
+            </a:pPr>
+            <a:r>
+              <a:rPr lang="en-US" dirty="0" smtClean="0"/>
+              <a:t>    Wu </a:t>
+            </a:r>
+            <a:r>
+              <a:rPr lang="en-US" dirty="0" err="1" smtClean="0"/>
+              <a:t>Qiming</a:t>
+            </a:r>
+            <a:r>
+              <a:rPr lang="en-US" dirty="0" smtClean="0"/>
+              <a:t>, </a:t>
+            </a:r>
+            <a:r>
+              <a:rPr lang="en-US" dirty="0" err="1" smtClean="0"/>
+              <a:t>Xu</a:t>
+            </a:r>
+            <a:r>
+              <a:rPr lang="en-US" dirty="0" smtClean="0"/>
+              <a:t> Liang</a:t>
+            </a:r>
+          </a:p>
+          <a:p>
+            <a:pPr>
+              <a:buNone/>
+            </a:pPr>
+            <a:r>
+              <a:rPr lang="en-US" dirty="0" smtClean="0"/>
+              <a:t>    share the responsibilities of the project planning, executing and releasing.</a:t>
+            </a:r>
+          </a:p>
+          <a:p>
+            <a:pPr>
+              <a:buNone/>
+            </a:pPr>
+            <a:r>
+              <a:rPr lang="en-US" dirty="0" smtClean="0"/>
+              <a:t>    </a:t>
+            </a:r>
+          </a:p>
+          <a:p>
+            <a:pPr>
+              <a:buNone/>
+            </a:pPr>
+            <a:r>
+              <a:rPr lang="en-US" dirty="0" smtClean="0"/>
+              <a:t>     </a:t>
+            </a:r>
+          </a:p>
+          <a:p>
+            <a:pPr>
+              <a:buNone/>
+            </a:pPr>
+            <a:r>
+              <a:rPr lang="en-US" dirty="0" smtClean="0"/>
+              <a:t>    </a:t>
+            </a:r>
+            <a:endParaRPr lang="en-SG" dirty="0"/>
           </a:p>
         </p:txBody>
       </p:sp>
@@ -3356,7 +3862,7 @@
           <a:p>
             <a:r>
               <a:rPr lang="en-US" dirty="0" smtClean="0"/>
-              <a:t>Market analysis</a:t>
+              <a:t>Financing plan</a:t>
             </a:r>
             <a:endParaRPr lang="en-SG" dirty="0"/>
           </a:p>
@@ -3377,7 +3883,17 @@
           <a:bodyPr/>
           <a:lstStyle/>
           <a:p>
-            <a:endParaRPr lang="en-SG"/>
+            <a:r>
+              <a:rPr lang="en-US" dirty="0" smtClean="0"/>
+              <a:t>Currently working on part-time, free bases</a:t>
+            </a:r>
+          </a:p>
+          <a:p>
+            <a:r>
+              <a:rPr lang="en-US" dirty="0" smtClean="0"/>
+              <a:t>Will have a formal discussion with all stakeholders for profit sharing after the first stage release of the product.</a:t>
+            </a:r>
+            <a:endParaRPr lang="en-SG" dirty="0"/>
           </a:p>
         </p:txBody>
       </p:sp>
@@ -3423,7 +3939,7 @@
           <a:p>
             <a:r>
               <a:rPr lang="en-US" dirty="0" smtClean="0"/>
-              <a:t>Product analysis</a:t>
+              <a:t>Market analysis</a:t>
             </a:r>
             <a:endParaRPr lang="en-SG" dirty="0"/>
           </a:p>
@@ -3490,7 +4006,7 @@
           <a:p>
             <a:r>
               <a:rPr lang="en-US" dirty="0" smtClean="0"/>
-              <a:t>Resource analysis</a:t>
+              <a:t>Product analysis</a:t>
             </a:r>
             <a:endParaRPr lang="en-SG" dirty="0"/>
           </a:p>
@@ -3557,7 +4073,7 @@
           <a:p>
             <a:r>
               <a:rPr lang="en-US" dirty="0" smtClean="0"/>
-              <a:t>Work breakdown structure</a:t>
+              <a:t>Resource analysis</a:t>
             </a:r>
             <a:endParaRPr lang="en-SG" dirty="0"/>
           </a:p>
@@ -3624,7 +4140,7 @@
           <a:p>
             <a:r>
               <a:rPr lang="en-US" dirty="0" smtClean="0"/>
-              <a:t>Project phases</a:t>
+              <a:t>Project repository setup</a:t>
             </a:r>
             <a:endParaRPr lang="en-SG" dirty="0"/>
           </a:p>
@@ -3644,6 +4160,16 @@
         <p:txBody>
           <a:bodyPr/>
           <a:lstStyle/>
+          <a:p>
+            <a:r>
+              <a:rPr lang="en-US" dirty="0" smtClean="0"/>
+              <a:t>Use GIT hub as </a:t>
+            </a:r>
+            <a:r>
+              <a:rPr lang="en-US" smtClean="0"/>
+              <a:t>code repository</a:t>
+            </a:r>
+          </a:p>
           <a:p>
             <a:endParaRPr lang="en-SG"/>
           </a:p>

--- a/projectplan.pptx
+++ b/projectplan.pptx
@@ -3496,11 +3496,7 @@
           <a:p>
             <a:r>
               <a:rPr lang="en-US" dirty="0" smtClean="0"/>
-              <a:t>Project </a:t>
-            </a:r>
-            <a:r>
-              <a:rPr lang="en-US" dirty="0" smtClean="0"/>
-              <a:t>milestones</a:t>
+              <a:t>Project milestones</a:t>
             </a:r>
             <a:endParaRPr lang="en-SG" dirty="0"/>
           </a:p>
@@ -3672,11 +3668,7 @@
             </a:pPr>
             <a:r>
               <a:rPr lang="en-US" dirty="0" smtClean="0"/>
-              <a:t> </a:t>
-            </a:r>
-            <a:r>
-              <a:rPr lang="en-US" dirty="0" smtClean="0"/>
-              <a:t> </a:t>
+              <a:t>  </a:t>
             </a:r>
             <a:endParaRPr lang="en-SG" dirty="0"/>
           </a:p>
@@ -3724,11 +3716,7 @@
           <a:p>
             <a:r>
               <a:rPr lang="en-US" dirty="0" smtClean="0"/>
-              <a:t>Project </a:t>
-            </a:r>
-            <a:r>
-              <a:rPr lang="en-US" dirty="0" smtClean="0"/>
-              <a:t>team</a:t>
+              <a:t>Project team</a:t>
             </a:r>
             <a:endParaRPr lang="en-SG" dirty="0"/>
           </a:p>
@@ -4163,15 +4151,59 @@
           <a:p>
             <a:r>
               <a:rPr lang="en-US" dirty="0" smtClean="0"/>
-              <a:t>Use GIT hub as </a:t>
-            </a:r>
-            <a:r>
-              <a:rPr lang="en-US" smtClean="0"/>
-              <a:t>code repository</a:t>
-            </a:r>
-          </a:p>
-          <a:p>
-            <a:endParaRPr lang="en-SG"/>
+              <a:t>Use GIT hub as code </a:t>
+            </a:r>
+            <a:r>
+              <a:rPr lang="en-US" dirty="0" smtClean="0"/>
+              <a:t>repository</a:t>
+            </a:r>
+          </a:p>
+          <a:p>
+            <a:pPr>
+              <a:buNone/>
+            </a:pPr>
+            <a:r>
+              <a:rPr lang="en-US" dirty="0" smtClean="0"/>
+              <a:t> </a:t>
+            </a:r>
+            <a:r>
+              <a:rPr lang="en-US" dirty="0" smtClean="0"/>
+              <a:t>   </a:t>
+            </a:r>
+            <a:r>
+              <a:rPr lang="en-SG" dirty="0" smtClean="0">
+                <a:hlinkClick r:id="rId2"/>
+              </a:rPr>
+              <a:t>https://</a:t>
+            </a:r>
+            <a:r>
+              <a:rPr lang="en-SG" dirty="0" smtClean="0">
+                <a:hlinkClick r:id="rId2"/>
+              </a:rPr>
+              <a:t>github.com/runningproject</a:t>
+            </a:r>
+            <a:endParaRPr lang="en-SG" dirty="0" smtClean="0"/>
+          </a:p>
+          <a:p>
+            <a:pPr>
+              <a:buNone/>
+            </a:pPr>
+            <a:endParaRPr lang="en-US" dirty="0" smtClean="0"/>
+          </a:p>
+          <a:p>
+            <a:r>
+              <a:rPr lang="en-US" dirty="0" smtClean="0"/>
+              <a:t>Requires each developer to have a </a:t>
+            </a:r>
+            <a:r>
+              <a:rPr lang="en-US" dirty="0" err="1" smtClean="0"/>
+              <a:t>github</a:t>
+            </a:r>
+            <a:r>
+              <a:rPr lang="en-US" dirty="0" smtClean="0"/>
+              <a:t> user account</a:t>
+            </a:r>
+            <a:endParaRPr lang="en-SG" dirty="0"/>
           </a:p>
         </p:txBody>
       </p:sp>

--- a/projectplan.pptx
+++ b/projectplan.pptx
@@ -3182,7 +3182,7 @@
           <a:bodyPr/>
           <a:lstStyle/>
           <a:p>
-            <a:endParaRPr lang="en-SG"/>
+            <a:endParaRPr lang="en-SG" dirty="0"/>
           </a:p>
         </p:txBody>
       </p:sp>
@@ -3881,7 +3881,33 @@
               <a:rPr lang="en-US" dirty="0" smtClean="0"/>
               <a:t>Will have a formal discussion with all stakeholders for profit sharing after the first stage release of the product.</a:t>
             </a:r>
-            <a:endParaRPr lang="en-SG" dirty="0"/>
+          </a:p>
+          <a:p>
+            <a:r>
+              <a:rPr lang="en-US" dirty="0" smtClean="0"/>
+              <a:t>Internal profit sharing(between Wu </a:t>
+            </a:r>
+            <a:r>
+              <a:rPr lang="en-US" dirty="0" err="1" smtClean="0"/>
+              <a:t>Qiming</a:t>
+            </a:r>
+            <a:r>
+              <a:rPr lang="en-US" dirty="0" smtClean="0"/>
+              <a:t> and </a:t>
+            </a:r>
+            <a:r>
+              <a:rPr lang="en-US" dirty="0" err="1" smtClean="0"/>
+              <a:t>Xuliang</a:t>
+            </a:r>
+            <a:r>
+              <a:rPr lang="en-US" dirty="0" smtClean="0"/>
+              <a:t>) ratio should be 50% each if there is </a:t>
+            </a:r>
+            <a:r>
+              <a:rPr lang="en-US" dirty="0" smtClean="0"/>
+              <a:t>no other conditions(such as different initial investment)</a:t>
+            </a:r>
+            <a:endParaRPr lang="en-US" dirty="0" smtClean="0"/>
           </a:p>
         </p:txBody>
       </p:sp>
@@ -4015,7 +4041,31 @@
           <a:bodyPr/>
           <a:lstStyle/>
           <a:p>
-            <a:endParaRPr lang="en-SG"/>
+            <a:r>
+              <a:rPr lang="en-US" dirty="0" smtClean="0"/>
+              <a:t>A mobile app running on Android </a:t>
+            </a:r>
+          </a:p>
+          <a:p>
+            <a:r>
+              <a:rPr lang="en-US" dirty="0" smtClean="0"/>
+              <a:t>A mobile app running on </a:t>
+            </a:r>
+            <a:r>
+              <a:rPr lang="en-US" dirty="0" err="1" smtClean="0"/>
+              <a:t>iPhone</a:t>
+            </a:r>
+            <a:r>
+              <a:rPr lang="en-US" dirty="0" smtClean="0"/>
+              <a:t>.</a:t>
+            </a:r>
+          </a:p>
+          <a:p>
+            <a:r>
+              <a:rPr lang="en-US" dirty="0" smtClean="0"/>
+              <a:t>A web server which can record the app status and user information</a:t>
+            </a:r>
+            <a:endParaRPr lang="en-SG" dirty="0"/>
           </a:p>
         </p:txBody>
       </p:sp>
@@ -4082,7 +4132,27 @@
           <a:bodyPr/>
           <a:lstStyle/>
           <a:p>
-            <a:endParaRPr lang="en-SG"/>
+            <a:r>
+              <a:rPr lang="en-US" dirty="0" smtClean="0"/>
+              <a:t>Android app</a:t>
+            </a:r>
+          </a:p>
+          <a:p>
+            <a:r>
+              <a:rPr lang="en-US" dirty="0" err="1" smtClean="0"/>
+              <a:t>iPhone</a:t>
+            </a:r>
+            <a:r>
+              <a:rPr lang="en-US" dirty="0" smtClean="0"/>
+              <a:t> app</a:t>
+            </a:r>
+          </a:p>
+          <a:p>
+            <a:r>
+              <a:rPr lang="en-US" dirty="0" smtClean="0"/>
+              <a:t>Web server</a:t>
+            </a:r>
+            <a:endParaRPr lang="en-SG" dirty="0"/>
           </a:p>
         </p:txBody>
       </p:sp>
@@ -4146,41 +4216,29 @@
         </p:nvSpPr>
         <p:spPr/>
         <p:txBody>
-          <a:bodyPr/>
+          <a:bodyPr>
+            <a:normAutofit fontScale="92500" lnSpcReduction="10000"/>
+          </a:bodyPr>
           <a:lstStyle/>
           <a:p>
             <a:r>
               <a:rPr lang="en-US" dirty="0" smtClean="0"/>
-              <a:t>Use GIT hub as code </a:t>
-            </a:r>
+              <a:t>Use GIT hub as code repository</a:t>
+            </a:r>
+          </a:p>
+          <a:p>
+            <a:pPr>
+              <a:buNone/>
+            </a:pPr>
             <a:r>
               <a:rPr lang="en-US" dirty="0" smtClean="0"/>
-              <a:t>repository</a:t>
-            </a:r>
-          </a:p>
-          <a:p>
-            <a:pPr>
-              <a:buNone/>
-            </a:pPr>
-            <a:r>
-              <a:rPr lang="en-US" dirty="0" smtClean="0"/>
-              <a:t> </a:t>
-            </a:r>
-            <a:r>
-              <a:rPr lang="en-US" dirty="0" smtClean="0"/>
-              <a:t>   </a:t>
+              <a:t>    </a:t>
             </a:r>
             <a:r>
               <a:rPr lang="en-SG" dirty="0" smtClean="0">
                 <a:hlinkClick r:id="rId2"/>
               </a:rPr>
-              <a:t>https://</a:t>
-            </a:r>
-            <a:r>
-              <a:rPr lang="en-SG" dirty="0" smtClean="0">
-                <a:hlinkClick r:id="rId2"/>
-              </a:rPr>
-              <a:t>github.com/runningproject</a:t>
+              <a:t>https://github.com/runningproject</a:t>
             </a:r>
             <a:endParaRPr lang="en-SG" dirty="0" smtClean="0"/>
           </a:p>
@@ -4202,6 +4260,27 @@
             <a:r>
               <a:rPr lang="en-US" dirty="0" smtClean="0"/>
               <a:t> user account</a:t>
+            </a:r>
+          </a:p>
+          <a:p>
+            <a:endParaRPr lang="en-US" dirty="0" smtClean="0"/>
+          </a:p>
+          <a:p>
+            <a:r>
+              <a:rPr lang="en-US" dirty="0" smtClean="0"/>
+              <a:t>This project plan is available at     </a:t>
+            </a:r>
+            <a:r>
+              <a:rPr lang="en-US" dirty="0" smtClean="0">
+                <a:hlinkClick r:id="rId3"/>
+              </a:rPr>
+              <a:t>h</a:t>
+            </a:r>
+            <a:r>
+              <a:rPr lang="en-SG" dirty="0" smtClean="0">
+                <a:hlinkClick r:id="rId3"/>
+              </a:rPr>
+              <a:t>ttps://github.com/runningproject/documents/blob/master/projectplan.pptx</a:t>
             </a:r>
             <a:endParaRPr lang="en-SG" dirty="0"/>
           </a:p>

--- a/projectplan.pptx
+++ b/projectplan.pptx
@@ -10,16 +10,20 @@
     <p:sldId id="257" r:id="rId4"/>
     <p:sldId id="260" r:id="rId5"/>
     <p:sldId id="271" r:id="rId6"/>
-    <p:sldId id="259" r:id="rId7"/>
-    <p:sldId id="261" r:id="rId8"/>
-    <p:sldId id="264" r:id="rId9"/>
-    <p:sldId id="265" r:id="rId10"/>
-    <p:sldId id="266" r:id="rId11"/>
-    <p:sldId id="267" r:id="rId12"/>
-    <p:sldId id="269" r:id="rId13"/>
-    <p:sldId id="270" r:id="rId14"/>
-    <p:sldId id="262" r:id="rId15"/>
-    <p:sldId id="258" r:id="rId16"/>
+    <p:sldId id="274" r:id="rId7"/>
+    <p:sldId id="259" r:id="rId8"/>
+    <p:sldId id="261" r:id="rId9"/>
+    <p:sldId id="275" r:id="rId10"/>
+    <p:sldId id="258" r:id="rId11"/>
+    <p:sldId id="272" r:id="rId12"/>
+    <p:sldId id="273" r:id="rId13"/>
+    <p:sldId id="264" r:id="rId14"/>
+    <p:sldId id="265" r:id="rId15"/>
+    <p:sldId id="266" r:id="rId16"/>
+    <p:sldId id="267" r:id="rId17"/>
+    <p:sldId id="269" r:id="rId18"/>
+    <p:sldId id="270" r:id="rId19"/>
+    <p:sldId id="262" r:id="rId20"/>
   </p:sldIdLst>
   <p:sldSz cx="9144000" cy="6858000" type="screen4x3"/>
   <p:notesSz cx="6858000" cy="9144000"/>
@@ -303,7 +307,7 @@
             <a:fld id="{530820CF-B880-4189-942D-D702A7CBA730}" type="datetimeFigureOut">
               <a:rPr lang="zh-CN" altLang="en-US" smtClean="0"/>
               <a:pPr/>
-              <a:t>2014/4/19</a:t>
+              <a:t>2014/4/20</a:t>
             </a:fld>
             <a:endParaRPr lang="zh-CN" altLang="en-US"/>
           </a:p>
@@ -470,7 +474,7 @@
             <a:fld id="{530820CF-B880-4189-942D-D702A7CBA730}" type="datetimeFigureOut">
               <a:rPr lang="zh-CN" altLang="en-US" smtClean="0"/>
               <a:pPr/>
-              <a:t>2014/4/19</a:t>
+              <a:t>2014/4/20</a:t>
             </a:fld>
             <a:endParaRPr lang="zh-CN" altLang="en-US"/>
           </a:p>
@@ -647,7 +651,7 @@
             <a:fld id="{530820CF-B880-4189-942D-D702A7CBA730}" type="datetimeFigureOut">
               <a:rPr lang="zh-CN" altLang="en-US" smtClean="0"/>
               <a:pPr/>
-              <a:t>2014/4/19</a:t>
+              <a:t>2014/4/20</a:t>
             </a:fld>
             <a:endParaRPr lang="zh-CN" altLang="en-US"/>
           </a:p>
@@ -814,7 +818,7 @@
             <a:fld id="{530820CF-B880-4189-942D-D702A7CBA730}" type="datetimeFigureOut">
               <a:rPr lang="zh-CN" altLang="en-US" smtClean="0"/>
               <a:pPr/>
-              <a:t>2014/4/19</a:t>
+              <a:t>2014/4/20</a:t>
             </a:fld>
             <a:endParaRPr lang="zh-CN" altLang="en-US"/>
           </a:p>
@@ -1057,7 +1061,7 @@
             <a:fld id="{530820CF-B880-4189-942D-D702A7CBA730}" type="datetimeFigureOut">
               <a:rPr lang="zh-CN" altLang="en-US" smtClean="0"/>
               <a:pPr/>
-              <a:t>2014/4/19</a:t>
+              <a:t>2014/4/20</a:t>
             </a:fld>
             <a:endParaRPr lang="zh-CN" altLang="en-US"/>
           </a:p>
@@ -1342,7 +1346,7 @@
             <a:fld id="{530820CF-B880-4189-942D-D702A7CBA730}" type="datetimeFigureOut">
               <a:rPr lang="zh-CN" altLang="en-US" smtClean="0"/>
               <a:pPr/>
-              <a:t>2014/4/19</a:t>
+              <a:t>2014/4/20</a:t>
             </a:fld>
             <a:endParaRPr lang="zh-CN" altLang="en-US"/>
           </a:p>
@@ -1761,7 +1765,7 @@
             <a:fld id="{530820CF-B880-4189-942D-D702A7CBA730}" type="datetimeFigureOut">
               <a:rPr lang="zh-CN" altLang="en-US" smtClean="0"/>
               <a:pPr/>
-              <a:t>2014/4/19</a:t>
+              <a:t>2014/4/20</a:t>
             </a:fld>
             <a:endParaRPr lang="zh-CN" altLang="en-US"/>
           </a:p>
@@ -1876,7 +1880,7 @@
             <a:fld id="{530820CF-B880-4189-942D-D702A7CBA730}" type="datetimeFigureOut">
               <a:rPr lang="zh-CN" altLang="en-US" smtClean="0"/>
               <a:pPr/>
-              <a:t>2014/4/19</a:t>
+              <a:t>2014/4/20</a:t>
             </a:fld>
             <a:endParaRPr lang="zh-CN" altLang="en-US"/>
           </a:p>
@@ -1968,7 +1972,7 @@
             <a:fld id="{530820CF-B880-4189-942D-D702A7CBA730}" type="datetimeFigureOut">
               <a:rPr lang="zh-CN" altLang="en-US" smtClean="0"/>
               <a:pPr/>
-              <a:t>2014/4/19</a:t>
+              <a:t>2014/4/20</a:t>
             </a:fld>
             <a:endParaRPr lang="zh-CN" altLang="en-US"/>
           </a:p>
@@ -2242,7 +2246,7 @@
             <a:fld id="{530820CF-B880-4189-942D-D702A7CBA730}" type="datetimeFigureOut">
               <a:rPr lang="zh-CN" altLang="en-US" smtClean="0"/>
               <a:pPr/>
-              <a:t>2014/4/19</a:t>
+              <a:t>2014/4/20</a:t>
             </a:fld>
             <a:endParaRPr lang="zh-CN" altLang="en-US"/>
           </a:p>
@@ -2492,7 +2496,7 @@
             <a:fld id="{530820CF-B880-4189-942D-D702A7CBA730}" type="datetimeFigureOut">
               <a:rPr lang="zh-CN" altLang="en-US" smtClean="0"/>
               <a:pPr/>
-              <a:t>2014/4/19</a:t>
+              <a:t>2014/4/20</a:t>
             </a:fld>
             <a:endParaRPr lang="zh-CN" altLang="en-US"/>
           </a:p>
@@ -2702,7 +2706,7 @@
             <a:fld id="{530820CF-B880-4189-942D-D702A7CBA730}" type="datetimeFigureOut">
               <a:rPr lang="zh-CN" altLang="en-US" smtClean="0"/>
               <a:pPr/>
-              <a:t>2014/4/19</a:t>
+              <a:t>2014/4/20</a:t>
             </a:fld>
             <a:endParaRPr lang="zh-CN" altLang="en-US"/>
           </a:p>
@@ -3156,12 +3160,18 @@
         </p:nvSpPr>
         <p:spPr/>
         <p:txBody>
-          <a:bodyPr/>
-          <a:lstStyle/>
-          <a:p>
-            <a:r>
-              <a:rPr lang="en-US" dirty="0" smtClean="0"/>
-              <a:t>Project development flow</a:t>
+          <a:bodyPr>
+            <a:normAutofit fontScale="90000"/>
+          </a:bodyPr>
+          <a:lstStyle/>
+          <a:p>
+            <a:r>
+              <a:rPr lang="en-US" dirty="0" smtClean="0"/>
+              <a:t>Project </a:t>
+            </a:r>
+            <a:r>
+              <a:rPr lang="en-US" dirty="0" smtClean="0"/>
+              <a:t>milestones within each stage</a:t>
             </a:r>
             <a:endParaRPr lang="en-SG" dirty="0"/>
           </a:p>
@@ -3182,7 +3192,54 @@
           <a:bodyPr/>
           <a:lstStyle/>
           <a:p>
-            <a:endParaRPr lang="en-SG" dirty="0"/>
+            <a:r>
+              <a:rPr lang="en-US" dirty="0" smtClean="0"/>
+              <a:t>Requirement collection</a:t>
+            </a:r>
+          </a:p>
+          <a:p>
+            <a:r>
+              <a:rPr lang="en-US" dirty="0" smtClean="0"/>
+              <a:t>Concept finalize</a:t>
+            </a:r>
+          </a:p>
+          <a:p>
+            <a:r>
+              <a:rPr lang="en-US" dirty="0" smtClean="0"/>
+              <a:t>Development environment setup (tools, etc)</a:t>
+            </a:r>
+          </a:p>
+          <a:p>
+            <a:r>
+              <a:rPr lang="en-US" dirty="0" smtClean="0"/>
+              <a:t>Mobile app on </a:t>
+            </a:r>
+            <a:r>
+              <a:rPr lang="en-US" dirty="0" err="1" smtClean="0"/>
+              <a:t>iphone</a:t>
+            </a:r>
+            <a:endParaRPr lang="en-US" dirty="0" smtClean="0"/>
+          </a:p>
+          <a:p>
+            <a:r>
+              <a:rPr lang="en-US" dirty="0" smtClean="0"/>
+              <a:t>Mobile app on Android</a:t>
+            </a:r>
+          </a:p>
+          <a:p>
+            <a:r>
+              <a:rPr lang="en-US" dirty="0" smtClean="0"/>
+              <a:t>Web server setup</a:t>
+            </a:r>
+          </a:p>
+          <a:p>
+            <a:pPr>
+              <a:buNone/>
+            </a:pPr>
+            <a:endParaRPr lang="en-US" dirty="0" smtClean="0"/>
+          </a:p>
+          <a:p>
+            <a:endParaRPr lang="en-US" dirty="0" smtClean="0"/>
           </a:p>
         </p:txBody>
       </p:sp>
@@ -3228,7 +3285,7 @@
           <a:p>
             <a:r>
               <a:rPr lang="en-US" dirty="0" smtClean="0"/>
-              <a:t>Product quality assurance(QA)</a:t>
+              <a:t>Mobile app requirement</a:t>
             </a:r>
             <a:endParaRPr lang="en-SG" dirty="0"/>
           </a:p>
@@ -3249,7 +3306,44 @@
           <a:bodyPr/>
           <a:lstStyle/>
           <a:p>
-            <a:endParaRPr lang="en-SG"/>
+            <a:r>
+              <a:rPr lang="en-US" dirty="0" smtClean="0"/>
+              <a:t>A downloadable mobile app available on apple app store and android app store</a:t>
+            </a:r>
+          </a:p>
+          <a:p>
+            <a:r>
+              <a:rPr lang="en-US" dirty="0" smtClean="0"/>
+              <a:t>User need to be able to log in and out</a:t>
+            </a:r>
+          </a:p>
+          <a:p>
+            <a:r>
+              <a:rPr lang="en-US" dirty="0" smtClean="0"/>
+              <a:t>MAP support</a:t>
+            </a:r>
+          </a:p>
+          <a:p>
+            <a:r>
+              <a:rPr lang="en-US" dirty="0" smtClean="0"/>
+              <a:t>Trace support</a:t>
+            </a:r>
+          </a:p>
+          <a:p>
+            <a:r>
+              <a:rPr lang="en-US" dirty="0" smtClean="0"/>
+              <a:t>Exercise plan support</a:t>
+            </a:r>
+          </a:p>
+          <a:p>
+            <a:pPr>
+              <a:buNone/>
+            </a:pPr>
+            <a:r>
+              <a:rPr lang="en-US" dirty="0" smtClean="0"/>
+              <a:t> </a:t>
+            </a:r>
+            <a:endParaRPr lang="en-SG" dirty="0"/>
           </a:p>
         </p:txBody>
       </p:sp>
@@ -3295,7 +3389,7 @@
           <a:p>
             <a:r>
               <a:rPr lang="en-US" dirty="0" smtClean="0"/>
-              <a:t>Product release strategy</a:t>
+              <a:t>Web server requirements</a:t>
             </a:r>
             <a:endParaRPr lang="en-SG" dirty="0"/>
           </a:p>
@@ -3316,7 +3410,16 @@
           <a:bodyPr/>
           <a:lstStyle/>
           <a:p>
-            <a:endParaRPr lang="en-SG"/>
+            <a:r>
+              <a:rPr lang="en-US" dirty="0" smtClean="0"/>
+              <a:t>Database support </a:t>
+            </a:r>
+          </a:p>
+          <a:p>
+            <a:pPr>
+              <a:buNone/>
+            </a:pPr>
+            <a:endParaRPr lang="en-SG" dirty="0"/>
           </a:p>
         </p:txBody>
       </p:sp>
@@ -3362,7 +3465,7 @@
           <a:p>
             <a:r>
               <a:rPr lang="en-US" dirty="0" smtClean="0"/>
-              <a:t>Product release process</a:t>
+              <a:t>Resource analysis</a:t>
             </a:r>
             <a:endParaRPr lang="en-SG" dirty="0"/>
           </a:p>
@@ -3383,7 +3486,27 @@
           <a:bodyPr/>
           <a:lstStyle/>
           <a:p>
-            <a:endParaRPr lang="en-SG"/>
+            <a:r>
+              <a:rPr lang="en-US" dirty="0" smtClean="0"/>
+              <a:t>Android app</a:t>
+            </a:r>
+          </a:p>
+          <a:p>
+            <a:r>
+              <a:rPr lang="en-US" dirty="0" err="1" smtClean="0"/>
+              <a:t>iPhone</a:t>
+            </a:r>
+            <a:r>
+              <a:rPr lang="en-US" dirty="0" smtClean="0"/>
+              <a:t> app</a:t>
+            </a:r>
+          </a:p>
+          <a:p>
+            <a:r>
+              <a:rPr lang="en-US" dirty="0" smtClean="0"/>
+              <a:t>Web server</a:t>
+            </a:r>
+            <a:endParaRPr lang="en-SG" dirty="0"/>
           </a:p>
         </p:txBody>
       </p:sp>
@@ -3429,7 +3552,7 @@
           <a:p>
             <a:r>
               <a:rPr lang="en-US" dirty="0" smtClean="0"/>
-              <a:t>Work breakdown structure</a:t>
+              <a:t>Project repository setup</a:t>
             </a:r>
             <a:endParaRPr lang="en-SG" dirty="0"/>
           </a:p>
@@ -3447,10 +3570,73 @@
         </p:nvSpPr>
         <p:spPr/>
         <p:txBody>
-          <a:bodyPr/>
-          <a:lstStyle/>
-          <a:p>
-            <a:endParaRPr lang="en-SG"/>
+          <a:bodyPr>
+            <a:normAutofit fontScale="92500" lnSpcReduction="10000"/>
+          </a:bodyPr>
+          <a:lstStyle/>
+          <a:p>
+            <a:r>
+              <a:rPr lang="en-US" dirty="0" smtClean="0"/>
+              <a:t>Use GIT hub as code repository</a:t>
+            </a:r>
+          </a:p>
+          <a:p>
+            <a:pPr>
+              <a:buNone/>
+            </a:pPr>
+            <a:r>
+              <a:rPr lang="en-US" dirty="0" smtClean="0"/>
+              <a:t>    </a:t>
+            </a:r>
+            <a:r>
+              <a:rPr lang="en-SG" dirty="0" smtClean="0">
+                <a:hlinkClick r:id="rId2"/>
+              </a:rPr>
+              <a:t>https://github.com/runningproject</a:t>
+            </a:r>
+            <a:endParaRPr lang="en-SG" dirty="0" smtClean="0"/>
+          </a:p>
+          <a:p>
+            <a:pPr>
+              <a:buNone/>
+            </a:pPr>
+            <a:endParaRPr lang="en-US" dirty="0" smtClean="0"/>
+          </a:p>
+          <a:p>
+            <a:r>
+              <a:rPr lang="en-US" dirty="0" smtClean="0"/>
+              <a:t>Requires each developer to have a </a:t>
+            </a:r>
+            <a:r>
+              <a:rPr lang="en-US" dirty="0" err="1" smtClean="0"/>
+              <a:t>github</a:t>
+            </a:r>
+            <a:r>
+              <a:rPr lang="en-US" dirty="0" smtClean="0"/>
+              <a:t> user account</a:t>
+            </a:r>
+          </a:p>
+          <a:p>
+            <a:endParaRPr lang="en-US" dirty="0" smtClean="0"/>
+          </a:p>
+          <a:p>
+            <a:r>
+              <a:rPr lang="en-US" dirty="0" smtClean="0"/>
+              <a:t>This project plan is available at     </a:t>
+            </a:r>
+            <a:r>
+              <a:rPr lang="en-US" dirty="0" smtClean="0">
+                <a:hlinkClick r:id="rId3"/>
+              </a:rPr>
+              <a:t>h</a:t>
+            </a:r>
+            <a:r>
+              <a:rPr lang="en-SG" dirty="0" smtClean="0">
+                <a:hlinkClick r:id="rId3"/>
+              </a:rPr>
+              <a:t>ttps://github.com/runningproject/documents/blob/master/projectplan.pptx</a:t>
+            </a:r>
+            <a:endParaRPr lang="en-SG" dirty="0"/>
           </a:p>
         </p:txBody>
       </p:sp>
@@ -3496,7 +3682,297 @@
           <a:p>
             <a:r>
               <a:rPr lang="en-US" dirty="0" smtClean="0"/>
-              <a:t>Project milestones</a:t>
+              <a:t>Project development flow</a:t>
+            </a:r>
+            <a:endParaRPr lang="en-SG" dirty="0"/>
+          </a:p>
+        </p:txBody>
+      </p:sp>
+      <p:sp>
+        <p:nvSpPr>
+          <p:cNvPr id="3" name="Content Placeholder 2"/>
+          <p:cNvSpPr>
+            <a:spLocks noGrp="1"/>
+          </p:cNvSpPr>
+          <p:nvPr>
+            <p:ph idx="1"/>
+          </p:nvPr>
+        </p:nvSpPr>
+        <p:spPr/>
+        <p:txBody>
+          <a:bodyPr/>
+          <a:lstStyle/>
+          <a:p>
+            <a:r>
+              <a:rPr lang="en-US" dirty="0" smtClean="0"/>
+              <a:t>Design </a:t>
+            </a:r>
+            <a:r>
+              <a:rPr lang="en-US" dirty="0" smtClean="0">
+                <a:sym typeface="Wingdings" pitchFamily="2" charset="2"/>
+              </a:rPr>
+              <a:t>code test</a:t>
+            </a:r>
+            <a:endParaRPr lang="en-SG" dirty="0"/>
+          </a:p>
+        </p:txBody>
+      </p:sp>
+    </p:spTree>
+  </p:cSld>
+  <p:clrMapOvr>
+    <a:masterClrMapping/>
+  </p:clrMapOvr>
+</p:sld>
+</file>
+
+<file path=ppt/slides/slide16.xml><?xml version="1.0" encoding="utf-8"?>
+<p:sld xmlns:a="http://schemas.openxmlformats.org/drawingml/2006/main" xmlns:r="http://schemas.openxmlformats.org/officeDocument/2006/relationships" xmlns:p="http://schemas.openxmlformats.org/presentationml/2006/main">
+  <p:cSld>
+    <p:spTree>
+      <p:nvGrpSpPr>
+        <p:cNvPr id="1" name=""/>
+        <p:cNvGrpSpPr/>
+        <p:nvPr/>
+      </p:nvGrpSpPr>
+      <p:grpSpPr>
+        <a:xfrm>
+          <a:off x="0" y="0"/>
+          <a:ext cx="0" cy="0"/>
+          <a:chOff x="0" y="0"/>
+          <a:chExt cx="0" cy="0"/>
+        </a:xfrm>
+      </p:grpSpPr>
+      <p:sp>
+        <p:nvSpPr>
+          <p:cNvPr id="2" name="Title 1"/>
+          <p:cNvSpPr>
+            <a:spLocks noGrp="1"/>
+          </p:cNvSpPr>
+          <p:nvPr>
+            <p:ph type="title"/>
+          </p:nvPr>
+        </p:nvSpPr>
+        <p:spPr/>
+        <p:txBody>
+          <a:bodyPr/>
+          <a:lstStyle/>
+          <a:p>
+            <a:r>
+              <a:rPr lang="en-US" dirty="0" smtClean="0"/>
+              <a:t>Product quality assurance(QA)</a:t>
+            </a:r>
+            <a:endParaRPr lang="en-SG" dirty="0"/>
+          </a:p>
+        </p:txBody>
+      </p:sp>
+      <p:sp>
+        <p:nvSpPr>
+          <p:cNvPr id="3" name="Content Placeholder 2"/>
+          <p:cNvSpPr>
+            <a:spLocks noGrp="1"/>
+          </p:cNvSpPr>
+          <p:nvPr>
+            <p:ph idx="1"/>
+          </p:nvPr>
+        </p:nvSpPr>
+        <p:spPr/>
+        <p:txBody>
+          <a:bodyPr/>
+          <a:lstStyle/>
+          <a:p>
+            <a:r>
+              <a:rPr lang="en-US" dirty="0" smtClean="0"/>
+              <a:t>Test strategy</a:t>
+            </a:r>
+            <a:endParaRPr lang="en-SG" dirty="0"/>
+          </a:p>
+        </p:txBody>
+      </p:sp>
+    </p:spTree>
+  </p:cSld>
+  <p:clrMapOvr>
+    <a:masterClrMapping/>
+  </p:clrMapOvr>
+</p:sld>
+</file>
+
+<file path=ppt/slides/slide17.xml><?xml version="1.0" encoding="utf-8"?>
+<p:sld xmlns:a="http://schemas.openxmlformats.org/drawingml/2006/main" xmlns:r="http://schemas.openxmlformats.org/officeDocument/2006/relationships" xmlns:p="http://schemas.openxmlformats.org/presentationml/2006/main">
+  <p:cSld>
+    <p:spTree>
+      <p:nvGrpSpPr>
+        <p:cNvPr id="1" name=""/>
+        <p:cNvGrpSpPr/>
+        <p:nvPr/>
+      </p:nvGrpSpPr>
+      <p:grpSpPr>
+        <a:xfrm>
+          <a:off x="0" y="0"/>
+          <a:ext cx="0" cy="0"/>
+          <a:chOff x="0" y="0"/>
+          <a:chExt cx="0" cy="0"/>
+        </a:xfrm>
+      </p:grpSpPr>
+      <p:sp>
+        <p:nvSpPr>
+          <p:cNvPr id="2" name="Title 1"/>
+          <p:cNvSpPr>
+            <a:spLocks noGrp="1"/>
+          </p:cNvSpPr>
+          <p:nvPr>
+            <p:ph type="title"/>
+          </p:nvPr>
+        </p:nvSpPr>
+        <p:spPr/>
+        <p:txBody>
+          <a:bodyPr/>
+          <a:lstStyle/>
+          <a:p>
+            <a:r>
+              <a:rPr lang="en-US" dirty="0" smtClean="0"/>
+              <a:t>Product release strategy</a:t>
+            </a:r>
+            <a:endParaRPr lang="en-SG" dirty="0"/>
+          </a:p>
+        </p:txBody>
+      </p:sp>
+      <p:sp>
+        <p:nvSpPr>
+          <p:cNvPr id="3" name="Content Placeholder 2"/>
+          <p:cNvSpPr>
+            <a:spLocks noGrp="1"/>
+          </p:cNvSpPr>
+          <p:nvPr>
+            <p:ph idx="1"/>
+          </p:nvPr>
+        </p:nvSpPr>
+        <p:spPr/>
+        <p:txBody>
+          <a:bodyPr/>
+          <a:lstStyle/>
+          <a:p>
+            <a:r>
+              <a:rPr lang="en-US" dirty="0" smtClean="0"/>
+              <a:t>Release strategy</a:t>
+            </a:r>
+            <a:endParaRPr lang="en-SG" dirty="0"/>
+          </a:p>
+        </p:txBody>
+      </p:sp>
+    </p:spTree>
+  </p:cSld>
+  <p:clrMapOvr>
+    <a:masterClrMapping/>
+  </p:clrMapOvr>
+</p:sld>
+</file>
+
+<file path=ppt/slides/slide18.xml><?xml version="1.0" encoding="utf-8"?>
+<p:sld xmlns:a="http://schemas.openxmlformats.org/drawingml/2006/main" xmlns:r="http://schemas.openxmlformats.org/officeDocument/2006/relationships" xmlns:p="http://schemas.openxmlformats.org/presentationml/2006/main">
+  <p:cSld>
+    <p:spTree>
+      <p:nvGrpSpPr>
+        <p:cNvPr id="1" name=""/>
+        <p:cNvGrpSpPr/>
+        <p:nvPr/>
+      </p:nvGrpSpPr>
+      <p:grpSpPr>
+        <a:xfrm>
+          <a:off x="0" y="0"/>
+          <a:ext cx="0" cy="0"/>
+          <a:chOff x="0" y="0"/>
+          <a:chExt cx="0" cy="0"/>
+        </a:xfrm>
+      </p:grpSpPr>
+      <p:sp>
+        <p:nvSpPr>
+          <p:cNvPr id="2" name="Title 1"/>
+          <p:cNvSpPr>
+            <a:spLocks noGrp="1"/>
+          </p:cNvSpPr>
+          <p:nvPr>
+            <p:ph type="title"/>
+          </p:nvPr>
+        </p:nvSpPr>
+        <p:spPr/>
+        <p:txBody>
+          <a:bodyPr/>
+          <a:lstStyle/>
+          <a:p>
+            <a:r>
+              <a:rPr lang="en-US" dirty="0" smtClean="0"/>
+              <a:t>Product release process</a:t>
+            </a:r>
+            <a:endParaRPr lang="en-SG" dirty="0"/>
+          </a:p>
+        </p:txBody>
+      </p:sp>
+      <p:sp>
+        <p:nvSpPr>
+          <p:cNvPr id="3" name="Content Placeholder 2"/>
+          <p:cNvSpPr>
+            <a:spLocks noGrp="1"/>
+          </p:cNvSpPr>
+          <p:nvPr>
+            <p:ph idx="1"/>
+          </p:nvPr>
+        </p:nvSpPr>
+        <p:spPr/>
+        <p:txBody>
+          <a:bodyPr/>
+          <a:lstStyle/>
+          <a:p>
+            <a:r>
+              <a:rPr lang="en-US" dirty="0" smtClean="0"/>
+              <a:t>How to release the product</a:t>
+            </a:r>
+            <a:endParaRPr lang="en-SG" dirty="0"/>
+          </a:p>
+        </p:txBody>
+      </p:sp>
+    </p:spTree>
+  </p:cSld>
+  <p:clrMapOvr>
+    <a:masterClrMapping/>
+  </p:clrMapOvr>
+</p:sld>
+</file>
+
+<file path=ppt/slides/slide19.xml><?xml version="1.0" encoding="utf-8"?>
+<p:sld xmlns:a="http://schemas.openxmlformats.org/drawingml/2006/main" xmlns:r="http://schemas.openxmlformats.org/officeDocument/2006/relationships" xmlns:p="http://schemas.openxmlformats.org/presentationml/2006/main">
+  <p:cSld>
+    <p:spTree>
+      <p:nvGrpSpPr>
+        <p:cNvPr id="1" name=""/>
+        <p:cNvGrpSpPr/>
+        <p:nvPr/>
+      </p:nvGrpSpPr>
+      <p:grpSpPr>
+        <a:xfrm>
+          <a:off x="0" y="0"/>
+          <a:ext cx="0" cy="0"/>
+          <a:chOff x="0" y="0"/>
+          <a:chExt cx="0" cy="0"/>
+        </a:xfrm>
+      </p:grpSpPr>
+      <p:sp>
+        <p:nvSpPr>
+          <p:cNvPr id="2" name="Title 1"/>
+          <p:cNvSpPr>
+            <a:spLocks noGrp="1"/>
+          </p:cNvSpPr>
+          <p:nvPr>
+            <p:ph type="title"/>
+          </p:nvPr>
+        </p:nvSpPr>
+        <p:spPr/>
+        <p:txBody>
+          <a:bodyPr/>
+          <a:lstStyle/>
+          <a:p>
+            <a:r>
+              <a:rPr lang="en-US" dirty="0" smtClean="0"/>
+              <a:t>Work breakdown structure</a:t>
             </a:r>
             <a:endParaRPr lang="en-SG" dirty="0"/>
           </a:p>
@@ -3901,13 +4377,8 @@
             </a:r>
             <a:r>
               <a:rPr lang="en-US" dirty="0" smtClean="0"/>
-              <a:t>) ratio should be 50% each if there is </a:t>
-            </a:r>
-            <a:r>
-              <a:rPr lang="en-US" dirty="0" smtClean="0"/>
-              <a:t>no other conditions(such as different initial investment)</a:t>
-            </a:r>
-            <a:endParaRPr lang="en-US" dirty="0" smtClean="0"/>
+              <a:t>) ratio should be 50% each if there is no other conditions(such as different initial investment)</a:t>
+            </a:r>
           </a:p>
         </p:txBody>
       </p:sp>
@@ -3948,12 +4419,14 @@
         </p:nvSpPr>
         <p:spPr/>
         <p:txBody>
-          <a:bodyPr/>
-          <a:lstStyle/>
-          <a:p>
-            <a:r>
-              <a:rPr lang="en-US" dirty="0" smtClean="0"/>
-              <a:t>Market analysis</a:t>
+          <a:bodyPr>
+            <a:normAutofit fontScale="90000"/>
+          </a:bodyPr>
+          <a:lstStyle/>
+          <a:p>
+            <a:r>
+              <a:rPr lang="en-US" dirty="0" smtClean="0"/>
+              <a:t>Project member join and exit process</a:t>
             </a:r>
             <a:endParaRPr lang="en-SG" dirty="0"/>
           </a:p>
@@ -3974,7 +4447,11 @@
           <a:bodyPr/>
           <a:lstStyle/>
           <a:p>
-            <a:endParaRPr lang="en-SG"/>
+            <a:r>
+              <a:rPr lang="en-US" dirty="0" smtClean="0"/>
+              <a:t>Agreed terms of project member join and exit process</a:t>
+            </a:r>
+            <a:endParaRPr lang="en-SG" dirty="0"/>
           </a:p>
         </p:txBody>
       </p:sp>
@@ -4020,7 +4497,7 @@
           <a:p>
             <a:r>
               <a:rPr lang="en-US" dirty="0" smtClean="0"/>
-              <a:t>Product analysis</a:t>
+              <a:t>Market analysis</a:t>
             </a:r>
             <a:endParaRPr lang="en-SG" dirty="0"/>
           </a:p>
@@ -4041,31 +4518,7 @@
           <a:bodyPr/>
           <a:lstStyle/>
           <a:p>
-            <a:r>
-              <a:rPr lang="en-US" dirty="0" smtClean="0"/>
-              <a:t>A mobile app running on Android </a:t>
-            </a:r>
-          </a:p>
-          <a:p>
-            <a:r>
-              <a:rPr lang="en-US" dirty="0" smtClean="0"/>
-              <a:t>A mobile app running on </a:t>
-            </a:r>
-            <a:r>
-              <a:rPr lang="en-US" dirty="0" err="1" smtClean="0"/>
-              <a:t>iPhone</a:t>
-            </a:r>
-            <a:r>
-              <a:rPr lang="en-US" dirty="0" smtClean="0"/>
-              <a:t>.</a:t>
-            </a:r>
-          </a:p>
-          <a:p>
-            <a:r>
-              <a:rPr lang="en-US" dirty="0" smtClean="0"/>
-              <a:t>A web server which can record the app status and user information</a:t>
-            </a:r>
-            <a:endParaRPr lang="en-SG" dirty="0"/>
+            <a:endParaRPr lang="en-SG"/>
           </a:p>
         </p:txBody>
       </p:sp>
@@ -4111,7 +4564,7 @@
           <a:p>
             <a:r>
               <a:rPr lang="en-US" dirty="0" smtClean="0"/>
-              <a:t>Resource analysis</a:t>
+              <a:t>Product analysis</a:t>
             </a:r>
             <a:endParaRPr lang="en-SG" dirty="0"/>
           </a:p>
@@ -4134,23 +4587,31 @@
           <a:p>
             <a:r>
               <a:rPr lang="en-US" dirty="0" smtClean="0"/>
-              <a:t>Android app</a:t>
-            </a:r>
-          </a:p>
-          <a:p>
+              <a:t>A mobile app running on Android </a:t>
+            </a:r>
+          </a:p>
+          <a:p>
+            <a:r>
+              <a:rPr lang="en-US" dirty="0" smtClean="0"/>
+              <a:t>A mobile app running on </a:t>
+            </a:r>
             <a:r>
               <a:rPr lang="en-US" dirty="0" err="1" smtClean="0"/>
               <a:t>iPhone</a:t>
             </a:r>
-            <a:r>
-              <a:rPr lang="en-US" dirty="0" smtClean="0"/>
-              <a:t> app</a:t>
-            </a:r>
-          </a:p>
-          <a:p>
-            <a:r>
-              <a:rPr lang="en-US" dirty="0" smtClean="0"/>
-              <a:t>Web server</a:t>
+            <a:endParaRPr lang="en-US" dirty="0" smtClean="0"/>
+          </a:p>
+          <a:p>
+            <a:r>
+              <a:rPr lang="en-US" dirty="0" smtClean="0"/>
+              <a:t>An embedded system running on wearable devices</a:t>
+            </a:r>
+            <a:endParaRPr lang="en-US" dirty="0" smtClean="0"/>
+          </a:p>
+          <a:p>
+            <a:r>
+              <a:rPr lang="en-US" dirty="0" smtClean="0"/>
+              <a:t>A web server which can record the app status and user information</a:t>
             </a:r>
             <a:endParaRPr lang="en-SG" dirty="0"/>
           </a:p>
@@ -4198,7 +4659,7 @@
           <a:p>
             <a:r>
               <a:rPr lang="en-US" dirty="0" smtClean="0"/>
-              <a:t>Project repository setup</a:t>
+              <a:t>Project stages</a:t>
             </a:r>
             <a:endParaRPr lang="en-SG" dirty="0"/>
           </a:p>
@@ -4216,14 +4677,12 @@
         </p:nvSpPr>
         <p:spPr/>
         <p:txBody>
-          <a:bodyPr>
-            <a:normAutofit fontScale="92500" lnSpcReduction="10000"/>
-          </a:bodyPr>
-          <a:lstStyle/>
-          <a:p>
-            <a:r>
-              <a:rPr lang="en-US" dirty="0" smtClean="0"/>
-              <a:t>Use GIT hub as code repository</a:t>
+          <a:bodyPr/>
+          <a:lstStyle/>
+          <a:p>
+            <a:r>
+              <a:rPr lang="en-US" dirty="0" smtClean="0"/>
+              <a:t>Stage1 </a:t>
             </a:r>
           </a:p>
           <a:p>
@@ -4232,15 +4691,12 @@
             </a:pPr>
             <a:r>
               <a:rPr lang="en-US" dirty="0" smtClean="0"/>
-              <a:t>    </a:t>
-            </a:r>
-            <a:r>
-              <a:rPr lang="en-SG" dirty="0" smtClean="0">
-                <a:hlinkClick r:id="rId2"/>
-              </a:rPr>
-              <a:t>https://github.com/runningproject</a:t>
-            </a:r>
-            <a:endParaRPr lang="en-SG" dirty="0" smtClean="0"/>
+              <a:t> </a:t>
+            </a:r>
+            <a:r>
+              <a:rPr lang="en-US" dirty="0" smtClean="0"/>
+              <a:t>   Basic mobile app (feature?)</a:t>
+            </a:r>
           </a:p>
           <a:p>
             <a:pPr>
@@ -4251,37 +4707,54 @@
           <a:p>
             <a:r>
               <a:rPr lang="en-US" dirty="0" smtClean="0"/>
-              <a:t>Requires each developer to have a </a:t>
+              <a:t>Stage2</a:t>
+            </a:r>
+          </a:p>
+          <a:p>
+            <a:pPr>
+              <a:buNone/>
+            </a:pPr>
+            <a:r>
+              <a:rPr lang="en-US" dirty="0" smtClean="0"/>
+              <a:t> </a:t>
+            </a:r>
+            <a:r>
+              <a:rPr lang="en-US" dirty="0" smtClean="0"/>
+              <a:t>    </a:t>
             </a:r>
             <a:r>
               <a:rPr lang="en-US" dirty="0" err="1" smtClean="0"/>
-              <a:t>github</a:t>
-            </a:r>
-            <a:r>
-              <a:rPr lang="en-US" dirty="0" smtClean="0"/>
-              <a:t> user account</a:t>
-            </a:r>
-          </a:p>
-          <a:p>
+              <a:t>Webserver</a:t>
+            </a:r>
+            <a:r>
+              <a:rPr lang="en-US" dirty="0" smtClean="0"/>
+              <a:t> + mobile app (feature?)</a:t>
+            </a:r>
+          </a:p>
+          <a:p>
+            <a:pPr>
+              <a:buNone/>
+            </a:pPr>
+            <a:r>
+              <a:rPr lang="en-US" dirty="0" smtClean="0"/>
+              <a:t> </a:t>
+            </a:r>
+            <a:r>
+              <a:rPr lang="en-US" dirty="0" smtClean="0"/>
+              <a:t>   Need to include more complex work flow such as payment process</a:t>
+            </a:r>
             <a:endParaRPr lang="en-US" dirty="0" smtClean="0"/>
           </a:p>
           <a:p>
-            <a:r>
-              <a:rPr lang="en-US" dirty="0" smtClean="0"/>
-              <a:t>This project plan is available at     </a:t>
-            </a:r>
-            <a:r>
-              <a:rPr lang="en-US" dirty="0" smtClean="0">
-                <a:hlinkClick r:id="rId3"/>
-              </a:rPr>
-              <a:t>h</a:t>
-            </a:r>
-            <a:r>
-              <a:rPr lang="en-SG" dirty="0" smtClean="0">
-                <a:hlinkClick r:id="rId3"/>
-              </a:rPr>
-              <a:t>ttps://github.com/runningproject/documents/blob/master/projectplan.pptx</a:t>
-            </a:r>
+            <a:pPr>
+              <a:buNone/>
+            </a:pPr>
+            <a:endParaRPr lang="en-US" dirty="0" smtClean="0"/>
+          </a:p>
+          <a:p>
+            <a:pPr>
+              <a:buNone/>
+            </a:pPr>
             <a:endParaRPr lang="en-SG" dirty="0"/>
           </a:p>
         </p:txBody>

--- a/projectplan.pptx
+++ b/projectplan.pptx
@@ -19,11 +19,12 @@
     <p:sldId id="273" r:id="rId13"/>
     <p:sldId id="264" r:id="rId14"/>
     <p:sldId id="265" r:id="rId15"/>
-    <p:sldId id="266" r:id="rId16"/>
-    <p:sldId id="267" r:id="rId17"/>
-    <p:sldId id="269" r:id="rId18"/>
-    <p:sldId id="270" r:id="rId19"/>
-    <p:sldId id="262" r:id="rId20"/>
+    <p:sldId id="276" r:id="rId16"/>
+    <p:sldId id="266" r:id="rId17"/>
+    <p:sldId id="267" r:id="rId18"/>
+    <p:sldId id="269" r:id="rId19"/>
+    <p:sldId id="270" r:id="rId20"/>
+    <p:sldId id="262" r:id="rId21"/>
   </p:sldIdLst>
   <p:sldSz cx="9144000" cy="6858000" type="screen4x3"/>
   <p:notesSz cx="6858000" cy="9144000"/>
@@ -3167,11 +3168,7 @@
           <a:p>
             <a:r>
               <a:rPr lang="en-US" dirty="0" smtClean="0"/>
-              <a:t>Project </a:t>
-            </a:r>
-            <a:r>
-              <a:rPr lang="en-US" dirty="0" smtClean="0"/>
-              <a:t>milestones within each stage</a:t>
+              <a:t>Project milestones within each stage</a:t>
             </a:r>
             <a:endParaRPr lang="en-SG" dirty="0"/>
           </a:p>
@@ -3682,7 +3679,7 @@
           <a:p>
             <a:r>
               <a:rPr lang="en-US" dirty="0" smtClean="0"/>
-              <a:t>Project development flow</a:t>
+              <a:t>Project management tools</a:t>
             </a:r>
             <a:endParaRPr lang="en-SG" dirty="0"/>
           </a:p>
@@ -3703,17 +3700,7 @@
           <a:bodyPr/>
           <a:lstStyle/>
           <a:p>
-            <a:r>
-              <a:rPr lang="en-US" dirty="0" smtClean="0"/>
-              <a:t>Design </a:t>
-            </a:r>
-            <a:r>
-              <a:rPr lang="en-US" dirty="0" smtClean="0">
-                <a:sym typeface="Wingdings" pitchFamily="2" charset="2"/>
-              </a:rPr>
-              <a:t>code test</a:t>
-            </a:r>
-            <a:endParaRPr lang="en-SG" dirty="0"/>
+            <a:endParaRPr lang="en-SG"/>
           </a:p>
         </p:txBody>
       </p:sp>
@@ -3759,7 +3746,7 @@
           <a:p>
             <a:r>
               <a:rPr lang="en-US" dirty="0" smtClean="0"/>
-              <a:t>Product quality assurance(QA)</a:t>
+              <a:t>Project development flow</a:t>
             </a:r>
             <a:endParaRPr lang="en-SG" dirty="0"/>
           </a:p>
@@ -3782,7 +3769,13 @@
           <a:p>
             <a:r>
               <a:rPr lang="en-US" dirty="0" smtClean="0"/>
-              <a:t>Test strategy</a:t>
+              <a:t>Design </a:t>
+            </a:r>
+            <a:r>
+              <a:rPr lang="en-US" dirty="0" smtClean="0">
+                <a:sym typeface="Wingdings" pitchFamily="2" charset="2"/>
+              </a:rPr>
+              <a:t>code test</a:t>
             </a:r>
             <a:endParaRPr lang="en-SG" dirty="0"/>
           </a:p>
@@ -3830,7 +3823,7 @@
           <a:p>
             <a:r>
               <a:rPr lang="en-US" dirty="0" smtClean="0"/>
-              <a:t>Product release strategy</a:t>
+              <a:t>Product quality assurance(QA)</a:t>
             </a:r>
             <a:endParaRPr lang="en-SG" dirty="0"/>
           </a:p>
@@ -3853,7 +3846,7 @@
           <a:p>
             <a:r>
               <a:rPr lang="en-US" dirty="0" smtClean="0"/>
-              <a:t>Release strategy</a:t>
+              <a:t>Test strategy</a:t>
             </a:r>
             <a:endParaRPr lang="en-SG" dirty="0"/>
           </a:p>
@@ -3901,7 +3894,7 @@
           <a:p>
             <a:r>
               <a:rPr lang="en-US" dirty="0" smtClean="0"/>
-              <a:t>Product release process</a:t>
+              <a:t>Product release strategy</a:t>
             </a:r>
             <a:endParaRPr lang="en-SG" dirty="0"/>
           </a:p>
@@ -3924,7 +3917,7 @@
           <a:p>
             <a:r>
               <a:rPr lang="en-US" dirty="0" smtClean="0"/>
-              <a:t>How to release the product</a:t>
+              <a:t>Release strategy</a:t>
             </a:r>
             <a:endParaRPr lang="en-SG" dirty="0"/>
           </a:p>
@@ -3972,7 +3965,7 @@
           <a:p>
             <a:r>
               <a:rPr lang="en-US" dirty="0" smtClean="0"/>
-              <a:t>Work breakdown structure</a:t>
+              <a:t>Product release process</a:t>
             </a:r>
             <a:endParaRPr lang="en-SG" dirty="0"/>
           </a:p>
@@ -3993,7 +3986,11 @@
           <a:bodyPr/>
           <a:lstStyle/>
           <a:p>
-            <a:endParaRPr lang="en-SG"/>
+            <a:r>
+              <a:rPr lang="en-US" dirty="0" smtClean="0"/>
+              <a:t>How to release the product</a:t>
+            </a:r>
+            <a:endParaRPr lang="en-SG" dirty="0"/>
           </a:p>
         </p:txBody>
       </p:sp>
@@ -4072,6 +4069,73 @@
 </p:sld>
 </file>
 
+<file path=ppt/slides/slide20.xml><?xml version="1.0" encoding="utf-8"?>
+<p:sld xmlns:a="http://schemas.openxmlformats.org/drawingml/2006/main" xmlns:r="http://schemas.openxmlformats.org/officeDocument/2006/relationships" xmlns:p="http://schemas.openxmlformats.org/presentationml/2006/main">
+  <p:cSld>
+    <p:spTree>
+      <p:nvGrpSpPr>
+        <p:cNvPr id="1" name=""/>
+        <p:cNvGrpSpPr/>
+        <p:nvPr/>
+      </p:nvGrpSpPr>
+      <p:grpSpPr>
+        <a:xfrm>
+          <a:off x="0" y="0"/>
+          <a:ext cx="0" cy="0"/>
+          <a:chOff x="0" y="0"/>
+          <a:chExt cx="0" cy="0"/>
+        </a:xfrm>
+      </p:grpSpPr>
+      <p:sp>
+        <p:nvSpPr>
+          <p:cNvPr id="2" name="Title 1"/>
+          <p:cNvSpPr>
+            <a:spLocks noGrp="1"/>
+          </p:cNvSpPr>
+          <p:nvPr>
+            <p:ph type="title"/>
+          </p:nvPr>
+        </p:nvSpPr>
+        <p:spPr/>
+        <p:txBody>
+          <a:bodyPr/>
+          <a:lstStyle/>
+          <a:p>
+            <a:r>
+              <a:rPr lang="en-US" dirty="0" smtClean="0"/>
+              <a:t>Work breakdown structure</a:t>
+            </a:r>
+            <a:endParaRPr lang="en-SG" dirty="0"/>
+          </a:p>
+        </p:txBody>
+      </p:sp>
+      <p:sp>
+        <p:nvSpPr>
+          <p:cNvPr id="3" name="Content Placeholder 2"/>
+          <p:cNvSpPr>
+            <a:spLocks noGrp="1"/>
+          </p:cNvSpPr>
+          <p:nvPr>
+            <p:ph idx="1"/>
+          </p:nvPr>
+        </p:nvSpPr>
+        <p:spPr/>
+        <p:txBody>
+          <a:bodyPr/>
+          <a:lstStyle/>
+          <a:p>
+            <a:endParaRPr lang="en-SG"/>
+          </a:p>
+        </p:txBody>
+      </p:sp>
+    </p:spTree>
+  </p:cSld>
+  <p:clrMapOvr>
+    <a:masterClrMapping/>
+  </p:clrMapOvr>
+</p:sld>
+</file>
+
 <file path=ppt/slides/slide3.xml><?xml version="1.0" encoding="utf-8"?>
 <p:sld xmlns:a="http://schemas.openxmlformats.org/drawingml/2006/main" xmlns:r="http://schemas.openxmlformats.org/officeDocument/2006/relationships" xmlns:p="http://schemas.openxmlformats.org/presentationml/2006/main">
   <p:cSld>
@@ -4606,7 +4670,6 @@
               <a:rPr lang="en-US" dirty="0" smtClean="0"/>
               <a:t>An embedded system running on wearable devices</a:t>
             </a:r>
-            <a:endParaRPr lang="en-US" dirty="0" smtClean="0"/>
           </a:p>
           <a:p>
             <a:r>
@@ -4659,7 +4722,11 @@
           <a:p>
             <a:r>
               <a:rPr lang="en-US" dirty="0" smtClean="0"/>
-              <a:t>Project stages</a:t>
+              <a:t>Project </a:t>
+            </a:r>
+            <a:r>
+              <a:rPr lang="en-US" dirty="0" smtClean="0"/>
+              <a:t>roadmap</a:t>
             </a:r>
             <a:endParaRPr lang="en-SG" dirty="0"/>
           </a:p>
@@ -4691,11 +4758,7 @@
             </a:pPr>
             <a:r>
               <a:rPr lang="en-US" dirty="0" smtClean="0"/>
-              <a:t> </a:t>
-            </a:r>
-            <a:r>
-              <a:rPr lang="en-US" dirty="0" smtClean="0"/>
-              <a:t>   Basic mobile app (feature?)</a:t>
+              <a:t>    Basic mobile app (feature?)</a:t>
             </a:r>
           </a:p>
           <a:p>
@@ -4716,11 +4779,7 @@
             </a:pPr>
             <a:r>
               <a:rPr lang="en-US" dirty="0" smtClean="0"/>
-              <a:t> </a:t>
-            </a:r>
-            <a:r>
-              <a:rPr lang="en-US" dirty="0" smtClean="0"/>
-              <a:t>    </a:t>
+              <a:t>     </a:t>
             </a:r>
             <a:r>
               <a:rPr lang="en-US" dirty="0" err="1" smtClean="0"/>
@@ -4737,13 +4796,8 @@
             </a:pPr>
             <a:r>
               <a:rPr lang="en-US" dirty="0" smtClean="0"/>
-              <a:t> </a:t>
-            </a:r>
-            <a:r>
-              <a:rPr lang="en-US" dirty="0" smtClean="0"/>
-              <a:t>   Need to include more complex work flow such as payment process</a:t>
-            </a:r>
-            <a:endParaRPr lang="en-US" dirty="0" smtClean="0"/>
+              <a:t>    Need to include more complex work flow such as payment process</a:t>
+            </a:r>
           </a:p>
           <a:p>
             <a:pPr>

--- a/projectplan.pptx
+++ b/projectplan.pptx
@@ -3700,6 +3700,14 @@
           <a:bodyPr/>
           <a:lstStyle/>
           <a:p>
+            <a:r>
+              <a:rPr lang="en-US" dirty="0" smtClean="0"/>
+              <a:t>Use free online scrum tool </a:t>
+            </a:r>
+            <a:r>
+              <a:rPr lang="en-US" smtClean="0"/>
+              <a:t>from rally.com</a:t>
+            </a:r>
             <a:endParaRPr lang="en-SG"/>
           </a:p>
         </p:txBody>
@@ -4722,11 +4730,7 @@
           <a:p>
             <a:r>
               <a:rPr lang="en-US" dirty="0" smtClean="0"/>
-              <a:t>Project </a:t>
-            </a:r>
-            <a:r>
-              <a:rPr lang="en-US" dirty="0" smtClean="0"/>
-              <a:t>roadmap</a:t>
+              <a:t>Project roadmap</a:t>
             </a:r>
             <a:endParaRPr lang="en-SG" dirty="0"/>
           </a:p>
